--- a/Павел Гамов 10.3.22.pptx
+++ b/Павел Гамов 10.3.22.pptx
@@ -4087,7 +4087,7 @@
           <a:p>
             <a:fld id="{55EBD86D-A7BD-FC42-94E5-16946E78769B}" type="datetimeFigureOut">
               <a:rPr lang="ru-RU" smtClean="0"/>
-              <a:t>23.03.2022</a:t>
+              <a:t>08.04.2022</a:t>
             </a:fld>
             <a:endParaRPr lang="ru-RU"/>
           </a:p>
@@ -4260,7 +4260,7 @@
           <a:p>
             <a:fld id="{55EBD86D-A7BD-FC42-94E5-16946E78769B}" type="datetimeFigureOut">
               <a:rPr lang="ru-RU" smtClean="0"/>
-              <a:t>23.03.2022</a:t>
+              <a:t>08.04.2022</a:t>
             </a:fld>
             <a:endParaRPr lang="ru-RU"/>
           </a:p>
@@ -4443,7 +4443,7 @@
           <a:p>
             <a:fld id="{55EBD86D-A7BD-FC42-94E5-16946E78769B}" type="datetimeFigureOut">
               <a:rPr lang="ru-RU" smtClean="0"/>
-              <a:t>23.03.2022</a:t>
+              <a:t>08.04.2022</a:t>
             </a:fld>
             <a:endParaRPr lang="ru-RU"/>
           </a:p>
@@ -4616,7 +4616,7 @@
           <a:p>
             <a:fld id="{55EBD86D-A7BD-FC42-94E5-16946E78769B}" type="datetimeFigureOut">
               <a:rPr lang="ru-RU" smtClean="0"/>
-              <a:t>23.03.2022</a:t>
+              <a:t>08.04.2022</a:t>
             </a:fld>
             <a:endParaRPr lang="ru-RU"/>
           </a:p>
@@ -4894,7 +4894,7 @@
           <a:p>
             <a:fld id="{55EBD86D-A7BD-FC42-94E5-16946E78769B}" type="datetimeFigureOut">
               <a:rPr lang="ru-RU" smtClean="0"/>
-              <a:t>23.03.2022</a:t>
+              <a:t>08.04.2022</a:t>
             </a:fld>
             <a:endParaRPr lang="ru-RU"/>
           </a:p>
@@ -5109,7 +5109,7 @@
           <a:p>
             <a:fld id="{55EBD86D-A7BD-FC42-94E5-16946E78769B}" type="datetimeFigureOut">
               <a:rPr lang="ru-RU" smtClean="0"/>
-              <a:t>23.03.2022</a:t>
+              <a:t>08.04.2022</a:t>
             </a:fld>
             <a:endParaRPr lang="ru-RU"/>
           </a:p>
@@ -5477,7 +5477,7 @@
           <a:p>
             <a:fld id="{55EBD86D-A7BD-FC42-94E5-16946E78769B}" type="datetimeFigureOut">
               <a:rPr lang="ru-RU" smtClean="0"/>
-              <a:t>23.03.2022</a:t>
+              <a:t>08.04.2022</a:t>
             </a:fld>
             <a:endParaRPr lang="ru-RU"/>
           </a:p>
@@ -5618,7 +5618,7 @@
           <a:p>
             <a:fld id="{55EBD86D-A7BD-FC42-94E5-16946E78769B}" type="datetimeFigureOut">
               <a:rPr lang="ru-RU" smtClean="0"/>
-              <a:t>23.03.2022</a:t>
+              <a:t>08.04.2022</a:t>
             </a:fld>
             <a:endParaRPr lang="ru-RU"/>
           </a:p>
@@ -5731,7 +5731,7 @@
           <a:p>
             <a:fld id="{55EBD86D-A7BD-FC42-94E5-16946E78769B}" type="datetimeFigureOut">
               <a:rPr lang="ru-RU" smtClean="0"/>
-              <a:t>23.03.2022</a:t>
+              <a:t>08.04.2022</a:t>
             </a:fld>
             <a:endParaRPr lang="ru-RU"/>
           </a:p>
@@ -6020,7 +6020,7 @@
           <a:p>
             <a:fld id="{55EBD86D-A7BD-FC42-94E5-16946E78769B}" type="datetimeFigureOut">
               <a:rPr lang="ru-RU" smtClean="0"/>
-              <a:t>23.03.2022</a:t>
+              <a:t>08.04.2022</a:t>
             </a:fld>
             <a:endParaRPr lang="ru-RU"/>
           </a:p>
@@ -6311,7 +6311,7 @@
           <a:p>
             <a:fld id="{55EBD86D-A7BD-FC42-94E5-16946E78769B}" type="datetimeFigureOut">
               <a:rPr lang="ru-RU" smtClean="0"/>
-              <a:t>23.03.2022</a:t>
+              <a:t>08.04.2022</a:t>
             </a:fld>
             <a:endParaRPr lang="ru-RU"/>
           </a:p>
@@ -6527,7 +6527,7 @@
           <a:p>
             <a:fld id="{55EBD86D-A7BD-FC42-94E5-16946E78769B}" type="datetimeFigureOut">
               <a:rPr lang="ru-RU" smtClean="0"/>
-              <a:t>23.03.2022</a:t>
+              <a:t>08.04.2022</a:t>
             </a:fld>
             <a:endParaRPr lang="ru-RU"/>
           </a:p>
@@ -7053,6 +7053,49 @@
           </a:p>
         </p:txBody>
       </p:sp>
+      <p:sp>
+        <p:nvSpPr>
+          <p:cNvPr id="2" name="TextBox 1">
+            <a:extLst>
+              <a:ext uri="{FF2B5EF4-FFF2-40B4-BE49-F238E27FC236}">
+                <a16:creationId xmlns:a16="http://schemas.microsoft.com/office/drawing/2014/main" id="{E8F5EC8E-1C58-8647-A7EB-7ED9B009C0E2}"/>
+              </a:ext>
+            </a:extLst>
+          </p:cNvPr>
+          <p:cNvSpPr txBox="1"/>
+          <p:nvPr/>
+        </p:nvSpPr>
+        <p:spPr>
+          <a:xfrm>
+            <a:off x="1828800" y="4334494"/>
+            <a:ext cx="4211730" cy="369332"/>
+          </a:xfrm>
+          <a:prstGeom prst="rect">
+            <a:avLst/>
+          </a:prstGeom>
+          <a:noFill/>
+        </p:spPr>
+        <p:txBody>
+          <a:bodyPr wrap="none" rtlCol="0">
+            <a:spAutoFit/>
+          </a:bodyPr>
+          <a:lstStyle/>
+          <a:p>
+            <a:r>
+              <a:rPr lang="ru-RU" dirty="0"/>
+              <a:t>Тема работы рук-</a:t>
+            </a:r>
+            <a:r>
+              <a:rPr lang="ru-RU" dirty="0" err="1"/>
+              <a:t>тель</a:t>
+            </a:r>
+            <a:r>
+              <a:rPr lang="ru-RU" dirty="0"/>
+              <a:t> кафедра добавить</a:t>
+            </a:r>
+          </a:p>
+        </p:txBody>
+      </p:sp>
     </p:spTree>
     <p:extLst>
       <p:ext uri="{BB962C8B-B14F-4D97-AF65-F5344CB8AC3E}">
@@ -7099,7 +7142,12 @@
             <p:ph type="title"/>
           </p:nvPr>
         </p:nvSpPr>
-        <p:spPr/>
+        <p:spPr>
+          <a:xfrm>
+            <a:off x="481939" y="5075080"/>
+            <a:ext cx="10515600" cy="1325563"/>
+          </a:xfrm>
+        </p:spPr>
         <p:txBody>
           <a:bodyPr/>
           <a:lstStyle/>
@@ -7209,6 +7257,257 @@
             <a:r>
               <a:rPr lang="ru-RU" dirty="0"/>
               <a:t> для ускорения</a:t>
+            </a:r>
+          </a:p>
+        </p:txBody>
+      </p:sp>
+      <p:sp>
+        <p:nvSpPr>
+          <p:cNvPr id="4" name="TextBox 3">
+            <a:extLst>
+              <a:ext uri="{FF2B5EF4-FFF2-40B4-BE49-F238E27FC236}">
+                <a16:creationId xmlns:a16="http://schemas.microsoft.com/office/drawing/2014/main" id="{135D2EEA-0897-C94A-A8F1-9E509B65B129}"/>
+              </a:ext>
+            </a:extLst>
+          </p:cNvPr>
+          <p:cNvSpPr txBox="1"/>
+          <p:nvPr/>
+        </p:nvSpPr>
+        <p:spPr>
+          <a:xfrm>
+            <a:off x="838200" y="41959"/>
+            <a:ext cx="8958863" cy="923330"/>
+          </a:xfrm>
+          <a:prstGeom prst="rect">
+            <a:avLst/>
+          </a:prstGeom>
+          <a:noFill/>
+        </p:spPr>
+        <p:txBody>
+          <a:bodyPr wrap="none" rtlCol="0">
+            <a:spAutoFit/>
+          </a:bodyPr>
+          <a:lstStyle/>
+          <a:p>
+            <a:r>
+              <a:rPr lang="ru-RU" dirty="0"/>
+              <a:t>Цель работы добавить – раз-ка быстр </a:t>
+            </a:r>
+            <a:r>
+              <a:rPr lang="ru-RU" dirty="0" err="1"/>
+              <a:t>алго-ов</a:t>
+            </a:r>
+            <a:r>
+              <a:rPr lang="ru-RU" dirty="0"/>
+              <a:t> (</a:t>
+            </a:r>
+            <a:r>
+              <a:rPr lang="ru-RU" dirty="0" err="1"/>
+              <a:t>ускор</a:t>
+            </a:r>
+            <a:r>
+              <a:rPr lang="ru-RU" dirty="0"/>
+              <a:t>) для фак-</a:t>
+            </a:r>
+            <a:r>
+              <a:rPr lang="ru-RU" dirty="0" err="1"/>
+              <a:t>ии</a:t>
+            </a:r>
+            <a:r>
+              <a:rPr lang="ru-RU" dirty="0"/>
+              <a:t> боль чисел</a:t>
+            </a:r>
+          </a:p>
+          <a:p>
+            <a:r>
+              <a:rPr lang="ru-RU" dirty="0"/>
+              <a:t>Актуальность + (</a:t>
+            </a:r>
+            <a:r>
+              <a:rPr lang="ru-RU" dirty="0" err="1"/>
+              <a:t>отд</a:t>
+            </a:r>
+            <a:r>
+              <a:rPr lang="ru-RU" dirty="0"/>
+              <a:t> слайд для чего и почему) картинки крипта – что делает и зачем надо</a:t>
+            </a:r>
+          </a:p>
+          <a:p>
+            <a:r>
+              <a:rPr lang="ru-RU" dirty="0"/>
+              <a:t>Квантовые и прочие </a:t>
+            </a:r>
+            <a:r>
+              <a:rPr lang="ru-RU" dirty="0" err="1"/>
+              <a:t>алг</a:t>
+            </a:r>
+            <a:r>
+              <a:rPr lang="ru-RU" dirty="0"/>
+              <a:t>-мы (акт-</a:t>
+            </a:r>
+            <a:r>
+              <a:rPr lang="ru-RU" dirty="0" err="1"/>
+              <a:t>ая</a:t>
+            </a:r>
+            <a:r>
+              <a:rPr lang="ru-RU" dirty="0"/>
+              <a:t> задача для крипты)</a:t>
+            </a:r>
+          </a:p>
+        </p:txBody>
+      </p:sp>
+      <p:sp>
+        <p:nvSpPr>
+          <p:cNvPr id="5" name="TextBox 4">
+            <a:extLst>
+              <a:ext uri="{FF2B5EF4-FFF2-40B4-BE49-F238E27FC236}">
+                <a16:creationId xmlns:a16="http://schemas.microsoft.com/office/drawing/2014/main" id="{B10CD0C5-7537-504A-A951-571119FE8CC1}"/>
+              </a:ext>
+            </a:extLst>
+          </p:cNvPr>
+          <p:cNvSpPr txBox="1"/>
+          <p:nvPr/>
+        </p:nvSpPr>
+        <p:spPr>
+          <a:xfrm>
+            <a:off x="973776" y="994628"/>
+            <a:ext cx="9808006" cy="923330"/>
+          </a:xfrm>
+          <a:prstGeom prst="rect">
+            <a:avLst/>
+          </a:prstGeom>
+          <a:noFill/>
+        </p:spPr>
+        <p:txBody>
+          <a:bodyPr wrap="none" rtlCol="0">
+            <a:spAutoFit/>
+          </a:bodyPr>
+          <a:lstStyle/>
+          <a:p>
+            <a:r>
+              <a:rPr lang="ru-RU" dirty="0"/>
+              <a:t>Задачи и проб-мы мелкого уровня. –</a:t>
+            </a:r>
+            <a:r>
+              <a:rPr lang="en-US" dirty="0"/>
+              <a:t>&gt;</a:t>
+            </a:r>
+            <a:r>
+              <a:rPr lang="ru-RU" dirty="0"/>
+              <a:t> анализ терминов и определение дан-ой области и выбора </a:t>
+            </a:r>
+          </a:p>
+          <a:p>
+            <a:r>
+              <a:rPr lang="ru-RU" dirty="0"/>
+              <a:t>Основ мат аппарат </a:t>
+            </a:r>
+          </a:p>
+          <a:p>
+            <a:r>
+              <a:rPr lang="ru-RU" dirty="0"/>
+              <a:t>В </a:t>
+            </a:r>
+            <a:r>
+              <a:rPr lang="ru-RU" dirty="0" err="1"/>
+              <a:t>презе</a:t>
+            </a:r>
+            <a:r>
+              <a:rPr lang="ru-RU" dirty="0"/>
+              <a:t> не заниматься лик-</a:t>
+            </a:r>
+            <a:r>
+              <a:rPr lang="ru-RU" dirty="0" err="1"/>
+              <a:t>безом</a:t>
+            </a:r>
+            <a:r>
+              <a:rPr lang="ru-RU" dirty="0"/>
+              <a:t> </a:t>
+            </a:r>
+          </a:p>
+        </p:txBody>
+      </p:sp>
+      <p:sp>
+        <p:nvSpPr>
+          <p:cNvPr id="6" name="TextBox 5">
+            <a:extLst>
+              <a:ext uri="{FF2B5EF4-FFF2-40B4-BE49-F238E27FC236}">
+                <a16:creationId xmlns:a16="http://schemas.microsoft.com/office/drawing/2014/main" id="{6D9361BD-25E2-3946-B482-A65411F2A8A5}"/>
+              </a:ext>
+            </a:extLst>
+          </p:cNvPr>
+          <p:cNvSpPr txBox="1"/>
+          <p:nvPr/>
+        </p:nvSpPr>
+        <p:spPr>
+          <a:xfrm>
+            <a:off x="7006441" y="3443844"/>
+            <a:ext cx="5451172" cy="1200329"/>
+          </a:xfrm>
+          <a:prstGeom prst="rect">
+            <a:avLst/>
+          </a:prstGeom>
+          <a:noFill/>
+        </p:spPr>
+        <p:txBody>
+          <a:bodyPr wrap="none" rtlCol="0">
+            <a:spAutoFit/>
+          </a:bodyPr>
+          <a:lstStyle/>
+          <a:p>
+            <a:r>
+              <a:rPr lang="ru-RU" dirty="0"/>
+              <a:t>Сравнить пар-мы </a:t>
+            </a:r>
+            <a:r>
+              <a:rPr lang="ru-RU" dirty="0" err="1"/>
+              <a:t>сущ</a:t>
+            </a:r>
+            <a:r>
+              <a:rPr lang="ru-RU" dirty="0"/>
+              <a:t> алгоритмов</a:t>
+            </a:r>
+          </a:p>
+          <a:p>
+            <a:r>
+              <a:rPr lang="ru-RU" dirty="0"/>
+              <a:t>Показатели </a:t>
+            </a:r>
+            <a:r>
+              <a:rPr lang="ru-RU" dirty="0" err="1"/>
+              <a:t>эфф-ти</a:t>
+            </a:r>
+            <a:r>
+              <a:rPr lang="ru-RU" dirty="0"/>
+              <a:t> </a:t>
+            </a:r>
+            <a:r>
+              <a:rPr lang="ru-RU" dirty="0" err="1"/>
+              <a:t>алгоритов</a:t>
+            </a:r>
+            <a:r>
+              <a:rPr lang="ru-RU" dirty="0"/>
+              <a:t> на основе реализации </a:t>
+            </a:r>
+          </a:p>
+          <a:p>
+            <a:r>
+              <a:rPr lang="ru-RU" dirty="0"/>
+              <a:t>Выбор наилучших параметров (</a:t>
+            </a:r>
+            <a:r>
+              <a:rPr lang="ru-RU" dirty="0" err="1"/>
+              <a:t>бенчмарк</a:t>
+            </a:r>
+            <a:r>
+              <a:rPr lang="ru-RU" dirty="0"/>
+              <a:t> и скорость)</a:t>
+            </a:r>
+          </a:p>
+          <a:p>
+            <a:r>
+              <a:rPr lang="ru-RU" dirty="0"/>
+              <a:t>Выбрать критерии для сравнения</a:t>
             </a:r>
           </a:p>
         </p:txBody>
@@ -7259,7 +7558,12 @@
             <p:ph type="title"/>
           </p:nvPr>
         </p:nvSpPr>
-        <p:spPr/>
+        <p:spPr>
+          <a:xfrm>
+            <a:off x="434439" y="5388388"/>
+            <a:ext cx="10515600" cy="1325563"/>
+          </a:xfrm>
+        </p:spPr>
         <p:txBody>
           <a:bodyPr/>
           <a:lstStyle/>
@@ -7419,6 +7723,184 @@
               <a:t>py</a:t>
             </a:r>
             <a:endParaRPr lang="ru-RU" dirty="0"/>
+          </a:p>
+        </p:txBody>
+      </p:sp>
+      <p:sp>
+        <p:nvSpPr>
+          <p:cNvPr id="4" name="TextBox 3">
+            <a:extLst>
+              <a:ext uri="{FF2B5EF4-FFF2-40B4-BE49-F238E27FC236}">
+                <a16:creationId xmlns:a16="http://schemas.microsoft.com/office/drawing/2014/main" id="{0E6A6442-884A-3349-9418-ECF1043F6095}"/>
+              </a:ext>
+            </a:extLst>
+          </p:cNvPr>
+          <p:cNvSpPr txBox="1"/>
+          <p:nvPr/>
+        </p:nvSpPr>
+        <p:spPr>
+          <a:xfrm>
+            <a:off x="4843830" y="2303814"/>
+            <a:ext cx="8162812" cy="923330"/>
+          </a:xfrm>
+          <a:prstGeom prst="rect">
+            <a:avLst/>
+          </a:prstGeom>
+          <a:noFill/>
+        </p:spPr>
+        <p:txBody>
+          <a:bodyPr wrap="none" rtlCol="0">
+            <a:spAutoFit/>
+          </a:bodyPr>
+          <a:lstStyle/>
+          <a:p>
+            <a:r>
+              <a:rPr lang="ru-RU" dirty="0"/>
+              <a:t>Класс </a:t>
+            </a:r>
+            <a:r>
+              <a:rPr lang="ru-RU" dirty="0" err="1"/>
+              <a:t>алго</a:t>
+            </a:r>
+            <a:r>
+              <a:rPr lang="ru-RU" dirty="0"/>
+              <a:t>-м и усов-</a:t>
+            </a:r>
+            <a:r>
+              <a:rPr lang="ru-RU" dirty="0" err="1"/>
+              <a:t>ый</a:t>
+            </a:r>
+            <a:r>
+              <a:rPr lang="ru-RU" dirty="0"/>
+              <a:t> </a:t>
+            </a:r>
+          </a:p>
+          <a:p>
+            <a:r>
+              <a:rPr lang="ru-RU" dirty="0"/>
+              <a:t>Друг класс </a:t>
+            </a:r>
+            <a:r>
+              <a:rPr lang="ru-RU" dirty="0" err="1"/>
+              <a:t>алгом-ов</a:t>
+            </a:r>
+            <a:r>
+              <a:rPr lang="ru-RU" dirty="0"/>
+              <a:t> и показать пути ускорения (</a:t>
+            </a:r>
+            <a:r>
+              <a:rPr lang="ru-RU" dirty="0" err="1"/>
+              <a:t>пречислить</a:t>
+            </a:r>
+            <a:r>
+              <a:rPr lang="ru-RU" dirty="0"/>
+              <a:t> проблемы </a:t>
+            </a:r>
+            <a:r>
+              <a:rPr lang="ru-RU" dirty="0" err="1"/>
+              <a:t>алго-ов</a:t>
+            </a:r>
+            <a:r>
+              <a:rPr lang="ru-RU" dirty="0"/>
+              <a:t>)</a:t>
+            </a:r>
+          </a:p>
+          <a:p>
+            <a:endParaRPr lang="ru-RU" dirty="0"/>
+          </a:p>
+        </p:txBody>
+      </p:sp>
+      <p:sp>
+        <p:nvSpPr>
+          <p:cNvPr id="5" name="TextBox 4">
+            <a:extLst>
+              <a:ext uri="{FF2B5EF4-FFF2-40B4-BE49-F238E27FC236}">
+                <a16:creationId xmlns:a16="http://schemas.microsoft.com/office/drawing/2014/main" id="{04E7D1F3-11D0-9C47-9987-3FFCA94BC4D8}"/>
+              </a:ext>
+            </a:extLst>
+          </p:cNvPr>
+          <p:cNvSpPr txBox="1"/>
+          <p:nvPr/>
+        </p:nvSpPr>
+        <p:spPr>
+          <a:xfrm>
+            <a:off x="1425366" y="142570"/>
+            <a:ext cx="11765144" cy="1754326"/>
+          </a:xfrm>
+          <a:prstGeom prst="rect">
+            <a:avLst/>
+          </a:prstGeom>
+          <a:noFill/>
+        </p:spPr>
+        <p:txBody>
+          <a:bodyPr wrap="none" rtlCol="0">
+            <a:spAutoFit/>
+          </a:bodyPr>
+          <a:lstStyle/>
+          <a:p>
+            <a:r>
+              <a:rPr lang="ru-RU" dirty="0"/>
+              <a:t>Более кон-</a:t>
+            </a:r>
+            <a:r>
+              <a:rPr lang="ru-RU" dirty="0" err="1"/>
+              <a:t>тно</a:t>
+            </a:r>
+            <a:r>
+              <a:rPr lang="ru-RU" dirty="0"/>
+              <a:t> про мой алгоритм гипотеза – реализация – оценить метрики </a:t>
+            </a:r>
+            <a:r>
+              <a:rPr lang="ru-RU" dirty="0" err="1"/>
+              <a:t>алго-ма</a:t>
+            </a:r>
+            <a:endParaRPr lang="ru-RU" dirty="0"/>
+          </a:p>
+          <a:p>
+            <a:r>
+              <a:rPr lang="ru-RU" dirty="0"/>
+              <a:t>Пройтись по гипотезам и как их ускорить + реализация (алгоритм схемы и картинки)</a:t>
+            </a:r>
+          </a:p>
+          <a:p>
+            <a:r>
+              <a:rPr lang="ru-RU" dirty="0"/>
+              <a:t>Потом показать как ускорилось и за счет чего</a:t>
+            </a:r>
+          </a:p>
+          <a:p>
+            <a:r>
+              <a:rPr lang="ru-RU" dirty="0"/>
+              <a:t>Выбрать оптимальное число и разложить показать рез-ты (</a:t>
+            </a:r>
+            <a:r>
+              <a:rPr lang="ru-RU" dirty="0" err="1"/>
+              <a:t>статистич</a:t>
+            </a:r>
+            <a:r>
+              <a:rPr lang="ru-RU" dirty="0"/>
+              <a:t> критерии) при оценке</a:t>
+            </a:r>
+          </a:p>
+          <a:p>
+            <a:r>
+              <a:rPr lang="ru-RU" dirty="0"/>
+              <a:t>Посмотреть как оценивать правильно работу и скорость алгоритмы (графики) бенч марки (скорость и прочие пар-ты </a:t>
+            </a:r>
+          </a:p>
+          <a:p>
+            <a:r>
+              <a:rPr lang="ru-RU" dirty="0"/>
+              <a:t>Указать еще возможность </a:t>
+            </a:r>
+            <a:r>
+              <a:rPr lang="ru-RU" dirty="0" err="1"/>
+              <a:t>расспаралельности</a:t>
+            </a:r>
+            <a:r>
+              <a:rPr lang="ru-RU" dirty="0"/>
+              <a:t> </a:t>
+            </a:r>
           </a:p>
         </p:txBody>
       </p:sp>
@@ -7454,34 +7936,6 @@
       </p:grpSpPr>
       <p:sp>
         <p:nvSpPr>
-          <p:cNvPr id="2" name="Заголовок 1">
-            <a:extLst>
-              <a:ext uri="{FF2B5EF4-FFF2-40B4-BE49-F238E27FC236}">
-                <a16:creationId xmlns:a16="http://schemas.microsoft.com/office/drawing/2014/main" id="{D8A599BD-F623-5D43-8D79-DA17C739DCC5}"/>
-              </a:ext>
-            </a:extLst>
-          </p:cNvPr>
-          <p:cNvSpPr>
-            <a:spLocks noGrp="1"/>
-          </p:cNvSpPr>
-          <p:nvPr>
-            <p:ph type="title"/>
-          </p:nvPr>
-        </p:nvSpPr>
-        <p:spPr/>
-        <p:txBody>
-          <a:bodyPr/>
-          <a:lstStyle/>
-          <a:p>
-            <a:r>
-              <a:rPr lang="ru-RU" dirty="0"/>
-              <a:t>Основные пункты дипломной работы.</a:t>
-            </a:r>
-          </a:p>
-        </p:txBody>
-      </p:sp>
-      <p:sp>
-        <p:nvSpPr>
           <p:cNvPr id="3" name="Объект 2">
             <a:extLst>
               <a:ext uri="{FF2B5EF4-FFF2-40B4-BE49-F238E27FC236}">
@@ -7600,6 +8054,149 @@
               <a:t>GNFS</a:t>
             </a:r>
             <a:endParaRPr lang="ru-RU" dirty="0"/>
+          </a:p>
+        </p:txBody>
+      </p:sp>
+      <p:sp>
+        <p:nvSpPr>
+          <p:cNvPr id="4" name="TextBox 3">
+            <a:extLst>
+              <a:ext uri="{FF2B5EF4-FFF2-40B4-BE49-F238E27FC236}">
+                <a16:creationId xmlns:a16="http://schemas.microsoft.com/office/drawing/2014/main" id="{ADB29380-B48F-324D-BB85-9F6CB97089BC}"/>
+              </a:ext>
+            </a:extLst>
+          </p:cNvPr>
+          <p:cNvSpPr txBox="1"/>
+          <p:nvPr/>
+        </p:nvSpPr>
+        <p:spPr>
+          <a:xfrm>
+            <a:off x="1425039" y="629392"/>
+            <a:ext cx="8670579" cy="1200329"/>
+          </a:xfrm>
+          <a:prstGeom prst="rect">
+            <a:avLst/>
+          </a:prstGeom>
+          <a:noFill/>
+        </p:spPr>
+        <p:txBody>
+          <a:bodyPr wrap="none" rtlCol="0">
+            <a:spAutoFit/>
+          </a:bodyPr>
+          <a:lstStyle/>
+          <a:p>
+            <a:r>
+              <a:rPr lang="ru-RU" dirty="0"/>
+              <a:t>В конце выводы сделано то то и достигнуто или нет. Показана </a:t>
+            </a:r>
+            <a:r>
+              <a:rPr lang="ru-RU" dirty="0" err="1"/>
+              <a:t>вожмость</a:t>
+            </a:r>
+            <a:r>
+              <a:rPr lang="ru-RU" dirty="0"/>
+              <a:t> рас-</a:t>
+            </a:r>
+            <a:r>
+              <a:rPr lang="ru-RU" dirty="0" err="1"/>
+              <a:t>ния</a:t>
+            </a:r>
+            <a:endParaRPr lang="ru-RU" dirty="0"/>
+          </a:p>
+          <a:p>
+            <a:r>
+              <a:rPr lang="ru-RU" dirty="0"/>
+              <a:t>Не стоит разбирать код детально (14-15 слайдов) </a:t>
+            </a:r>
+            <a:r>
+              <a:rPr lang="ru-RU" dirty="0" err="1"/>
+              <a:t>акцет</a:t>
+            </a:r>
+            <a:r>
+              <a:rPr lang="ru-RU" dirty="0"/>
+              <a:t> на фишки и </a:t>
+            </a:r>
+            <a:r>
+              <a:rPr lang="ru-RU" dirty="0" err="1"/>
+              <a:t>фитчи</a:t>
+            </a:r>
+            <a:r>
+              <a:rPr lang="ru-RU" dirty="0"/>
+              <a:t> и </a:t>
+            </a:r>
+            <a:r>
+              <a:rPr lang="ru-RU" dirty="0" err="1"/>
+              <a:t>бенчмарк</a:t>
+            </a:r>
+            <a:endParaRPr lang="ru-RU" dirty="0"/>
+          </a:p>
+          <a:p>
+            <a:r>
+              <a:rPr lang="ru-RU" dirty="0"/>
+              <a:t>Типовые вещи показать что использую и подвожу к моей проблеме (рас-</a:t>
+            </a:r>
+            <a:r>
+              <a:rPr lang="ru-RU" dirty="0" err="1"/>
+              <a:t>ть</a:t>
+            </a:r>
+            <a:r>
+              <a:rPr lang="ru-RU" dirty="0"/>
+              <a:t> кратко)</a:t>
+            </a:r>
+          </a:p>
+          <a:p>
+            <a:r>
+              <a:rPr lang="ru-RU" dirty="0"/>
+              <a:t>Есть фишки и способы решения их и в конце </a:t>
+            </a:r>
+            <a:r>
+              <a:rPr lang="ru-RU" dirty="0" err="1"/>
+              <a:t>бенчмарк</a:t>
+            </a:r>
+            <a:r>
+              <a:rPr lang="ru-RU" dirty="0"/>
+              <a:t> по всем </a:t>
+            </a:r>
+            <a:r>
+              <a:rPr lang="ru-RU" dirty="0" err="1"/>
+              <a:t>фичам</a:t>
+            </a:r>
+            <a:endParaRPr lang="ru-RU" dirty="0"/>
+          </a:p>
+        </p:txBody>
+      </p:sp>
+      <p:sp>
+        <p:nvSpPr>
+          <p:cNvPr id="5" name="TextBox 4">
+            <a:extLst>
+              <a:ext uri="{FF2B5EF4-FFF2-40B4-BE49-F238E27FC236}">
+                <a16:creationId xmlns:a16="http://schemas.microsoft.com/office/drawing/2014/main" id="{426338C7-88D4-1A4D-A1D3-FADCBF3A2AF6}"/>
+              </a:ext>
+            </a:extLst>
+          </p:cNvPr>
+          <p:cNvSpPr txBox="1"/>
+          <p:nvPr/>
+        </p:nvSpPr>
+        <p:spPr>
+          <a:xfrm>
+            <a:off x="1425039" y="5807631"/>
+            <a:ext cx="2014334" cy="369332"/>
+          </a:xfrm>
+          <a:prstGeom prst="rect">
+            <a:avLst/>
+          </a:prstGeom>
+          <a:noFill/>
+        </p:spPr>
+        <p:txBody>
+          <a:bodyPr wrap="none" rtlCol="0">
+            <a:spAutoFit/>
+          </a:bodyPr>
+          <a:lstStyle/>
+          <a:p>
+            <a:r>
+              <a:rPr lang="ru-RU" dirty="0"/>
+              <a:t>Вывод: ускорение</a:t>
+            </a:r>
           </a:p>
         </p:txBody>
       </p:sp>

--- a/Павел Гамов 10.3.22.pptx
+++ b/Павел Гамов 10.3.22.pptx
@@ -8,10 +8,12 @@
     <p:sldId id="265" r:id="rId2"/>
     <p:sldId id="270" r:id="rId3"/>
     <p:sldId id="271" r:id="rId4"/>
-    <p:sldId id="266" r:id="rId5"/>
-    <p:sldId id="267" r:id="rId6"/>
-    <p:sldId id="268" r:id="rId7"/>
-    <p:sldId id="269" r:id="rId8"/>
+    <p:sldId id="272" r:id="rId5"/>
+    <p:sldId id="273" r:id="rId6"/>
+    <p:sldId id="266" r:id="rId7"/>
+    <p:sldId id="267" r:id="rId8"/>
+    <p:sldId id="268" r:id="rId9"/>
+    <p:sldId id="269" r:id="rId10"/>
   </p:sldIdLst>
   <p:sldSz cx="12192000" cy="6858000"/>
   <p:notesSz cx="6858000" cy="9144000"/>
@@ -276,7 +278,7 @@
           <a:p>
             <a:fld id="{55EBD86D-A7BD-FC42-94E5-16946E78769B}" type="datetimeFigureOut">
               <a:rPr lang="ru-RU" smtClean="0"/>
-              <a:t>08.04.2022</a:t>
+              <a:t>11.04.2022</a:t>
             </a:fld>
             <a:endParaRPr lang="ru-RU"/>
           </a:p>
@@ -449,7 +451,7 @@
           <a:p>
             <a:fld id="{55EBD86D-A7BD-FC42-94E5-16946E78769B}" type="datetimeFigureOut">
               <a:rPr lang="ru-RU" smtClean="0"/>
-              <a:t>08.04.2022</a:t>
+              <a:t>11.04.2022</a:t>
             </a:fld>
             <a:endParaRPr lang="ru-RU"/>
           </a:p>
@@ -632,7 +634,7 @@
           <a:p>
             <a:fld id="{55EBD86D-A7BD-FC42-94E5-16946E78769B}" type="datetimeFigureOut">
               <a:rPr lang="ru-RU" smtClean="0"/>
-              <a:t>08.04.2022</a:t>
+              <a:t>11.04.2022</a:t>
             </a:fld>
             <a:endParaRPr lang="ru-RU"/>
           </a:p>
@@ -805,7 +807,7 @@
           <a:p>
             <a:fld id="{55EBD86D-A7BD-FC42-94E5-16946E78769B}" type="datetimeFigureOut">
               <a:rPr lang="ru-RU" smtClean="0"/>
-              <a:t>08.04.2022</a:t>
+              <a:t>11.04.2022</a:t>
             </a:fld>
             <a:endParaRPr lang="ru-RU"/>
           </a:p>
@@ -1083,7 +1085,7 @@
           <a:p>
             <a:fld id="{55EBD86D-A7BD-FC42-94E5-16946E78769B}" type="datetimeFigureOut">
               <a:rPr lang="ru-RU" smtClean="0"/>
-              <a:t>08.04.2022</a:t>
+              <a:t>11.04.2022</a:t>
             </a:fld>
             <a:endParaRPr lang="ru-RU"/>
           </a:p>
@@ -1298,7 +1300,7 @@
           <a:p>
             <a:fld id="{55EBD86D-A7BD-FC42-94E5-16946E78769B}" type="datetimeFigureOut">
               <a:rPr lang="ru-RU" smtClean="0"/>
-              <a:t>08.04.2022</a:t>
+              <a:t>11.04.2022</a:t>
             </a:fld>
             <a:endParaRPr lang="ru-RU"/>
           </a:p>
@@ -1666,7 +1668,7 @@
           <a:p>
             <a:fld id="{55EBD86D-A7BD-FC42-94E5-16946E78769B}" type="datetimeFigureOut">
               <a:rPr lang="ru-RU" smtClean="0"/>
-              <a:t>08.04.2022</a:t>
+              <a:t>11.04.2022</a:t>
             </a:fld>
             <a:endParaRPr lang="ru-RU"/>
           </a:p>
@@ -1807,7 +1809,7 @@
           <a:p>
             <a:fld id="{55EBD86D-A7BD-FC42-94E5-16946E78769B}" type="datetimeFigureOut">
               <a:rPr lang="ru-RU" smtClean="0"/>
-              <a:t>08.04.2022</a:t>
+              <a:t>11.04.2022</a:t>
             </a:fld>
             <a:endParaRPr lang="ru-RU"/>
           </a:p>
@@ -1920,7 +1922,7 @@
           <a:p>
             <a:fld id="{55EBD86D-A7BD-FC42-94E5-16946E78769B}" type="datetimeFigureOut">
               <a:rPr lang="ru-RU" smtClean="0"/>
-              <a:t>08.04.2022</a:t>
+              <a:t>11.04.2022</a:t>
             </a:fld>
             <a:endParaRPr lang="ru-RU"/>
           </a:p>
@@ -2209,7 +2211,7 @@
           <a:p>
             <a:fld id="{55EBD86D-A7BD-FC42-94E5-16946E78769B}" type="datetimeFigureOut">
               <a:rPr lang="ru-RU" smtClean="0"/>
-              <a:t>08.04.2022</a:t>
+              <a:t>11.04.2022</a:t>
             </a:fld>
             <a:endParaRPr lang="ru-RU"/>
           </a:p>
@@ -2500,7 +2502,7 @@
           <a:p>
             <a:fld id="{55EBD86D-A7BD-FC42-94E5-16946E78769B}" type="datetimeFigureOut">
               <a:rPr lang="ru-RU" smtClean="0"/>
-              <a:t>08.04.2022</a:t>
+              <a:t>11.04.2022</a:t>
             </a:fld>
             <a:endParaRPr lang="ru-RU"/>
           </a:p>
@@ -2716,7 +2718,7 @@
           <a:p>
             <a:fld id="{55EBD86D-A7BD-FC42-94E5-16946E78769B}" type="datetimeFigureOut">
               <a:rPr lang="ru-RU" smtClean="0"/>
-              <a:t>08.04.2022</a:t>
+              <a:t>11.04.2022</a:t>
             </a:fld>
             <a:endParaRPr lang="ru-RU"/>
           </a:p>
@@ -3403,7 +3405,10 @@
           <a:p>
             <a:pPr algn="ctr"/>
             <a:r>
-              <a:rPr lang="ru-RU" dirty="0"/>
+              <a:rPr lang="ru-RU" dirty="0">
+                <a:latin typeface="Times New Roman" panose="02020603050405020304" pitchFamily="18" charset="0"/>
+                <a:cs typeface="Times New Roman" panose="02020603050405020304" pitchFamily="18" charset="0"/>
+              </a:rPr>
               <a:t>Москва 2022</a:t>
             </a:r>
           </a:p>
@@ -3457,8 +3462,8 @@
         </p:nvSpPr>
         <p:spPr>
           <a:xfrm>
-            <a:off x="838200" y="365126"/>
-            <a:ext cx="10515600" cy="888580"/>
+            <a:off x="870667" y="365126"/>
+            <a:ext cx="10758183" cy="888580"/>
           </a:xfrm>
         </p:spPr>
         <p:txBody>
@@ -3479,10 +3484,10 @@
       </p:sp>
       <p:sp>
         <p:nvSpPr>
-          <p:cNvPr id="4" name="TextBox 3">
-            <a:extLst>
-              <a:ext uri="{FF2B5EF4-FFF2-40B4-BE49-F238E27FC236}">
-                <a16:creationId xmlns:a16="http://schemas.microsoft.com/office/drawing/2014/main" id="{D358A4C9-C006-4148-A0F6-3DCC2907130D}"/>
+          <p:cNvPr id="6" name="TextBox 5">
+            <a:extLst>
+              <a:ext uri="{FF2B5EF4-FFF2-40B4-BE49-F238E27FC236}">
+                <a16:creationId xmlns:a16="http://schemas.microsoft.com/office/drawing/2014/main" id="{00B7CF55-8830-4AC3-999C-D81BC8313431}"/>
               </a:ext>
             </a:extLst>
           </p:cNvPr>
@@ -3491,8 +3496,8 @@
         </p:nvSpPr>
         <p:spPr>
           <a:xfrm>
-            <a:off x="838200" y="1370010"/>
-            <a:ext cx="6096000" cy="923330"/>
+            <a:off x="716908" y="2286811"/>
+            <a:ext cx="10758183" cy="830997"/>
           </a:xfrm>
           <a:prstGeom prst="rect">
             <a:avLst/>
@@ -3500,68 +3505,69 @@
           <a:noFill/>
         </p:spPr>
         <p:txBody>
-          <a:bodyPr wrap="square">
+          <a:bodyPr wrap="square" rtlCol="0">
             <a:spAutoFit/>
           </a:bodyPr>
           <a:lstStyle/>
           <a:p>
             <a:r>
-              <a:rPr lang="ru-RU" dirty="0">
+              <a:rPr lang="ru-RU" sz="2400" dirty="0">
                 <a:latin typeface="Times New Roman" panose="02020603050405020304" pitchFamily="18" charset="0"/>
                 <a:cs typeface="Times New Roman" panose="02020603050405020304" pitchFamily="18" charset="0"/>
               </a:rPr>
-              <a:t>Актуальность + (</a:t>
-            </a:r>
-            <a:r>
-              <a:rPr lang="ru-RU" dirty="0" err="1">
+              <a:t>Исследования в данной области ставит под сомнение современные методы криптографии, такие как </a:t>
+            </a:r>
+            <a:r>
+              <a:rPr lang="en-US" sz="2400" dirty="0">
                 <a:latin typeface="Times New Roman" panose="02020603050405020304" pitchFamily="18" charset="0"/>
                 <a:cs typeface="Times New Roman" panose="02020603050405020304" pitchFamily="18" charset="0"/>
               </a:rPr>
-              <a:t>отд</a:t>
-            </a:r>
-            <a:r>
-              <a:rPr lang="ru-RU" dirty="0">
+              <a:t>RSA</a:t>
+            </a:r>
+            <a:r>
+              <a:rPr lang="ru-RU" sz="2400" dirty="0">
                 <a:latin typeface="Times New Roman" panose="02020603050405020304" pitchFamily="18" charset="0"/>
                 <a:cs typeface="Times New Roman" panose="02020603050405020304" pitchFamily="18" charset="0"/>
               </a:rPr>
-              <a:t> слайд для чего и почему) картинки крипта – что делает и зачем надо</a:t>
-            </a:r>
-          </a:p>
-          <a:p>
-            <a:r>
-              <a:rPr lang="ru-RU" dirty="0">
+              <a:t>, а также алгоритмы цифровой подписи.</a:t>
+            </a:r>
+          </a:p>
+        </p:txBody>
+      </p:sp>
+      <p:sp>
+        <p:nvSpPr>
+          <p:cNvPr id="7" name="TextBox 6">
+            <a:extLst>
+              <a:ext uri="{FF2B5EF4-FFF2-40B4-BE49-F238E27FC236}">
+                <a16:creationId xmlns:a16="http://schemas.microsoft.com/office/drawing/2014/main" id="{C4255A83-4E3A-4FF9-95D7-67E7A3306B9F}"/>
+              </a:ext>
+            </a:extLst>
+          </p:cNvPr>
+          <p:cNvSpPr txBox="1"/>
+          <p:nvPr/>
+        </p:nvSpPr>
+        <p:spPr>
+          <a:xfrm>
+            <a:off x="716909" y="4150914"/>
+            <a:ext cx="10758182" cy="1938992"/>
+          </a:xfrm>
+          <a:prstGeom prst="rect">
+            <a:avLst/>
+          </a:prstGeom>
+          <a:noFill/>
+        </p:spPr>
+        <p:txBody>
+          <a:bodyPr wrap="square" rtlCol="0">
+            <a:spAutoFit/>
+          </a:bodyPr>
+          <a:lstStyle/>
+          <a:p>
+            <a:r>
+              <a:rPr lang="ru-RU" sz="2400" dirty="0">
                 <a:latin typeface="Times New Roman" panose="02020603050405020304" pitchFamily="18" charset="0"/>
                 <a:cs typeface="Times New Roman" panose="02020603050405020304" pitchFamily="18" charset="0"/>
               </a:rPr>
-              <a:t>Квантовые и прочие </a:t>
-            </a:r>
-            <a:r>
-              <a:rPr lang="ru-RU" dirty="0" err="1">
-                <a:latin typeface="Times New Roman" panose="02020603050405020304" pitchFamily="18" charset="0"/>
-                <a:cs typeface="Times New Roman" panose="02020603050405020304" pitchFamily="18" charset="0"/>
-              </a:rPr>
-              <a:t>алг</a:t>
-            </a:r>
-            <a:r>
-              <a:rPr lang="ru-RU" dirty="0">
-                <a:latin typeface="Times New Roman" panose="02020603050405020304" pitchFamily="18" charset="0"/>
-                <a:cs typeface="Times New Roman" panose="02020603050405020304" pitchFamily="18" charset="0"/>
-              </a:rPr>
-              <a:t>-мы (акт-</a:t>
-            </a:r>
-            <a:r>
-              <a:rPr lang="ru-RU" dirty="0" err="1">
-                <a:latin typeface="Times New Roman" panose="02020603050405020304" pitchFamily="18" charset="0"/>
-                <a:cs typeface="Times New Roman" panose="02020603050405020304" pitchFamily="18" charset="0"/>
-              </a:rPr>
-              <a:t>ая</a:t>
-            </a:r>
-            <a:r>
-              <a:rPr lang="ru-RU" dirty="0">
-                <a:latin typeface="Times New Roman" panose="02020603050405020304" pitchFamily="18" charset="0"/>
-                <a:cs typeface="Times New Roman" panose="02020603050405020304" pitchFamily="18" charset="0"/>
-              </a:rPr>
-              <a:t> задача для крипты)</a:t>
+              <a:t>Алгоритмы факторизации имеют под собой внушительную математическую базу, например: работа с длинными числами, поиск больших простых чисел, модульная арифметика, решение матричных уравнений. Работы в данной области могут дать повод пересмотреть уже существующие алгоритмы, с целью найти более совершенное решение тех или иных проблем. </a:t>
             </a:r>
           </a:p>
         </p:txBody>
@@ -3636,59 +3642,57 @@
       </p:sp>
       <p:sp>
         <p:nvSpPr>
-          <p:cNvPr id="4" name="TextBox 3">
-            <a:extLst>
-              <a:ext uri="{FF2B5EF4-FFF2-40B4-BE49-F238E27FC236}">
-                <a16:creationId xmlns:a16="http://schemas.microsoft.com/office/drawing/2014/main" id="{1ECFF92D-42CD-421C-9FEC-E0E542C276AD}"/>
-              </a:ext>
-            </a:extLst>
-          </p:cNvPr>
-          <p:cNvSpPr txBox="1"/>
+          <p:cNvPr id="5" name="Заголовок 1">
+            <a:extLst>
+              <a:ext uri="{FF2B5EF4-FFF2-40B4-BE49-F238E27FC236}">
+                <a16:creationId xmlns:a16="http://schemas.microsoft.com/office/drawing/2014/main" id="{633FEDD3-94AD-4557-86D8-96712C66AECA}"/>
+              </a:ext>
+            </a:extLst>
+          </p:cNvPr>
+          <p:cNvSpPr txBox="1">
+            <a:spLocks/>
+          </p:cNvSpPr>
           <p:nvPr/>
         </p:nvSpPr>
         <p:spPr>
           <a:xfrm>
-            <a:off x="3048000" y="3107272"/>
-            <a:ext cx="6096000" cy="646331"/>
+            <a:off x="838200" y="1736198"/>
+            <a:ext cx="10515600" cy="1742497"/>
           </a:xfrm>
           <a:prstGeom prst="rect">
             <a:avLst/>
           </a:prstGeom>
-          <a:noFill/>
         </p:spPr>
         <p:txBody>
-          <a:bodyPr wrap="square">
-            <a:spAutoFit/>
+          <a:bodyPr vert="horz" lIns="91440" tIns="45720" rIns="91440" bIns="45720" rtlCol="0" anchor="ctr">
+            <a:normAutofit/>
           </a:bodyPr>
-          <a:lstStyle/>
-          <a:p>
-            <a:r>
-              <a:rPr lang="ru-RU" dirty="0"/>
-              <a:t>Цель работы добавить – раз-ка быстр </a:t>
-            </a:r>
-            <a:r>
-              <a:rPr lang="ru-RU" dirty="0" err="1"/>
-              <a:t>алго-ов</a:t>
-            </a:r>
-            <a:r>
-              <a:rPr lang="ru-RU" dirty="0"/>
-              <a:t> (</a:t>
-            </a:r>
-            <a:r>
-              <a:rPr lang="ru-RU" dirty="0" err="1"/>
-              <a:t>ускор</a:t>
-            </a:r>
-            <a:r>
-              <a:rPr lang="ru-RU" dirty="0"/>
-              <a:t>) для фак-</a:t>
-            </a:r>
-            <a:r>
-              <a:rPr lang="ru-RU" dirty="0" err="1"/>
-              <a:t>ии</a:t>
-            </a:r>
-            <a:r>
-              <a:rPr lang="ru-RU" dirty="0"/>
-              <a:t> боль чисел</a:t>
+          <a:lstStyle>
+            <a:lvl1pPr algn="l" defTabSz="914400" rtl="0" eaLnBrk="1" latinLnBrk="0" hangingPunct="1">
+              <a:lnSpc>
+                <a:spcPct val="90000"/>
+              </a:lnSpc>
+              <a:spcBef>
+                <a:spcPct val="0"/>
+              </a:spcBef>
+              <a:buNone/>
+              <a:defRPr sz="4400" kern="1200">
+                <a:solidFill>
+                  <a:schemeClr val="tx1"/>
+                </a:solidFill>
+                <a:latin typeface="+mj-lt"/>
+                <a:ea typeface="+mj-ea"/>
+                <a:cs typeface="+mj-cs"/>
+              </a:defRPr>
+            </a:lvl1pPr>
+          </a:lstStyle>
+          <a:p>
+            <a:r>
+              <a:rPr lang="ru-RU" sz="2400" dirty="0">
+                <a:latin typeface="Times New Roman" panose="02020603050405020304" pitchFamily="18" charset="0"/>
+                <a:cs typeface="Times New Roman" panose="02020603050405020304" pitchFamily="18" charset="0"/>
+              </a:rPr>
+              <a:t>Целью моей работы является реализация и сравнение метода квадратичного решета с более простыми алгоритмами, а так же модификация кода, в надежде ускорить работу алгоритма.</a:t>
             </a:r>
           </a:p>
         </p:txBody>
@@ -3728,7 +3732,7 @@
           <p:cNvPr id="2" name="Заголовок 1">
             <a:extLst>
               <a:ext uri="{FF2B5EF4-FFF2-40B4-BE49-F238E27FC236}">
-                <a16:creationId xmlns:a16="http://schemas.microsoft.com/office/drawing/2014/main" id="{D8A599BD-F623-5D43-8D79-DA17C739DCC5}"/>
+                <a16:creationId xmlns:a16="http://schemas.microsoft.com/office/drawing/2014/main" id="{1234E301-6713-4DD5-927D-DADD2B424306}"/>
               </a:ext>
             </a:extLst>
           </p:cNvPr>
@@ -3741,38 +3745,10 @@
         </p:nvSpPr>
         <p:spPr>
           <a:xfrm>
-            <a:off x="481939" y="5075080"/>
-            <a:ext cx="10515600" cy="1325563"/>
+            <a:off x="838200" y="365126"/>
+            <a:ext cx="10515600" cy="888580"/>
           </a:xfrm>
         </p:spPr>
-        <p:txBody>
-          <a:bodyPr/>
-          <a:lstStyle/>
-          <a:p>
-            <a:r>
-              <a:rPr lang="ru-RU" dirty="0"/>
-              <a:t>Основные пункты дипломной работы.</a:t>
-            </a:r>
-          </a:p>
-        </p:txBody>
-      </p:sp>
-      <p:sp>
-        <p:nvSpPr>
-          <p:cNvPr id="3" name="Объект 2">
-            <a:extLst>
-              <a:ext uri="{FF2B5EF4-FFF2-40B4-BE49-F238E27FC236}">
-                <a16:creationId xmlns:a16="http://schemas.microsoft.com/office/drawing/2014/main" id="{8D352FAA-88A9-6C41-A41C-258B8E97E3D2}"/>
-              </a:ext>
-            </a:extLst>
-          </p:cNvPr>
-          <p:cNvSpPr>
-            <a:spLocks noGrp="1"/>
-          </p:cNvSpPr>
-          <p:nvPr>
-            <p:ph idx="1"/>
-          </p:nvPr>
-        </p:nvSpPr>
-        <p:spPr/>
         <p:txBody>
           <a:bodyPr>
             <a:normAutofit/>
@@ -3780,244 +3756,144 @@
           <a:lstStyle/>
           <a:p>
             <a:r>
-              <a:rPr lang="ru-RU" dirty="0"/>
-              <a:t>Модульная арифметика</a:t>
-            </a:r>
-          </a:p>
-          <a:p>
-            <a:pPr marL="971550" lvl="1" indent="-514350">
-              <a:buFont typeface="+mj-lt"/>
-              <a:buAutoNum type="arabicPeriod"/>
-            </a:pPr>
-            <a:r>
-              <a:rPr lang="ru-RU" dirty="0"/>
-              <a:t>Простое описание методов и теорем которые необходимы будут дальше</a:t>
-            </a:r>
-          </a:p>
-          <a:p>
-            <a:r>
-              <a:rPr lang="ru-RU" dirty="0"/>
-              <a:t>Нахождение простых чисел</a:t>
-            </a:r>
-          </a:p>
-          <a:p>
-            <a:pPr marL="971550" lvl="1" indent="-514350">
-              <a:buFont typeface="+mj-lt"/>
-              <a:buAutoNum type="arabicPeriod"/>
-            </a:pPr>
-            <a:r>
-              <a:rPr lang="ru-RU" dirty="0"/>
-              <a:t>Решето Эратосфена</a:t>
-            </a:r>
-          </a:p>
-          <a:p>
-            <a:pPr marL="971550" lvl="1" indent="-514350">
-              <a:buFont typeface="+mj-lt"/>
-              <a:buAutoNum type="arabicPeriod"/>
-            </a:pPr>
-            <a:r>
-              <a:rPr lang="ru-RU" dirty="0"/>
-              <a:t>Решето </a:t>
-            </a:r>
-            <a:r>
-              <a:rPr lang="ru-RU" dirty="0" err="1"/>
-              <a:t>Аткина</a:t>
-            </a:r>
-            <a:r>
-              <a:rPr lang="ru-RU" dirty="0"/>
-              <a:t> (ускорение)</a:t>
-            </a:r>
-          </a:p>
-          <a:p>
-            <a:pPr marL="971550" lvl="1" indent="-514350">
-              <a:buFont typeface="+mj-lt"/>
-              <a:buAutoNum type="arabicPeriod"/>
-            </a:pPr>
-            <a:r>
-              <a:rPr lang="ru-RU" dirty="0"/>
-              <a:t>Символ Лежандра</a:t>
-            </a:r>
-          </a:p>
-          <a:p>
-            <a:pPr marL="971550" lvl="1" indent="-514350">
-              <a:buFont typeface="+mj-lt"/>
-              <a:buAutoNum type="arabicPeriod"/>
-            </a:pPr>
-            <a:r>
-              <a:rPr lang="ru-RU" dirty="0"/>
-              <a:t>Использование теоремы Тоннели-</a:t>
-            </a:r>
-            <a:r>
-              <a:rPr lang="ru-RU" dirty="0" err="1"/>
-              <a:t>Шенкса</a:t>
-            </a:r>
-            <a:r>
-              <a:rPr lang="ru-RU" dirty="0"/>
-              <a:t> для ускорения</a:t>
-            </a:r>
-          </a:p>
-        </p:txBody>
-      </p:sp>
-      <p:sp>
-        <p:nvSpPr>
-          <p:cNvPr id="5" name="TextBox 4">
-            <a:extLst>
-              <a:ext uri="{FF2B5EF4-FFF2-40B4-BE49-F238E27FC236}">
-                <a16:creationId xmlns:a16="http://schemas.microsoft.com/office/drawing/2014/main" id="{B10CD0C5-7537-504A-A951-571119FE8CC1}"/>
-              </a:ext>
-            </a:extLst>
-          </p:cNvPr>
-          <p:cNvSpPr txBox="1"/>
+              <a:rPr lang="ru-RU" sz="2800" dirty="0">
+                <a:latin typeface="Times New Roman" panose="02020603050405020304" pitchFamily="18" charset="0"/>
+                <a:cs typeface="Times New Roman" panose="02020603050405020304" pitchFamily="18" charset="0"/>
+              </a:rPr>
+              <a:t>Основные экспоненциальные алгоритмы</a:t>
+            </a:r>
+          </a:p>
+        </p:txBody>
+      </p:sp>
+      <p:sp>
+        <p:nvSpPr>
+          <p:cNvPr id="4" name="Заголовок 1">
+            <a:extLst>
+              <a:ext uri="{FF2B5EF4-FFF2-40B4-BE49-F238E27FC236}">
+                <a16:creationId xmlns:a16="http://schemas.microsoft.com/office/drawing/2014/main" id="{40F50FF9-4F17-4D82-A5E2-4D7770E7BCFF}"/>
+              </a:ext>
+            </a:extLst>
+          </p:cNvPr>
+          <p:cNvSpPr txBox="1">
+            <a:spLocks/>
+          </p:cNvSpPr>
           <p:nvPr/>
         </p:nvSpPr>
         <p:spPr>
           <a:xfrm>
-            <a:off x="973776" y="994628"/>
-            <a:ext cx="9808006" cy="923330"/>
+            <a:off x="838200" y="1610830"/>
+            <a:ext cx="10515600" cy="888580"/>
+          </a:xfrm>
+          <a:prstGeom prst="rect">
+            <a:avLst/>
+          </a:prstGeom>
+        </p:spPr>
+        <p:txBody>
+          <a:bodyPr vert="horz" lIns="91440" tIns="45720" rIns="91440" bIns="45720" rtlCol="0" anchor="ctr">
+            <a:normAutofit/>
+          </a:bodyPr>
+          <a:lstStyle>
+            <a:lvl1pPr algn="l" defTabSz="914400" rtl="0" eaLnBrk="1" latinLnBrk="0" hangingPunct="1">
+              <a:lnSpc>
+                <a:spcPct val="90000"/>
+              </a:lnSpc>
+              <a:spcBef>
+                <a:spcPct val="0"/>
+              </a:spcBef>
+              <a:buNone/>
+              <a:defRPr sz="4400" kern="1200">
+                <a:solidFill>
+                  <a:schemeClr val="tx1"/>
+                </a:solidFill>
+                <a:latin typeface="+mj-lt"/>
+                <a:ea typeface="+mj-ea"/>
+                <a:cs typeface="+mj-cs"/>
+              </a:defRPr>
+            </a:lvl1pPr>
+          </a:lstStyle>
+          <a:p>
+            <a:r>
+              <a:rPr lang="en-US" sz="2400" dirty="0">
+                <a:latin typeface="Times New Roman" panose="02020603050405020304" pitchFamily="18" charset="0"/>
+                <a:cs typeface="Times New Roman" panose="02020603050405020304" pitchFamily="18" charset="0"/>
+              </a:rPr>
+              <a:t>P </a:t>
+            </a:r>
+            <a:r>
+              <a:rPr lang="ru-RU" sz="2400" dirty="0">
+                <a:latin typeface="Times New Roman" panose="02020603050405020304" pitchFamily="18" charset="0"/>
+                <a:cs typeface="Times New Roman" panose="02020603050405020304" pitchFamily="18" charset="0"/>
+              </a:rPr>
+              <a:t>метод </a:t>
+            </a:r>
+            <a:r>
+              <a:rPr lang="ru-RU" sz="2400" dirty="0" err="1">
+                <a:latin typeface="Times New Roman" panose="02020603050405020304" pitchFamily="18" charset="0"/>
+                <a:cs typeface="Times New Roman" panose="02020603050405020304" pitchFamily="18" charset="0"/>
+              </a:rPr>
+              <a:t>Полларда</a:t>
+            </a:r>
+            <a:r>
+              <a:rPr lang="ru-RU" sz="2400" dirty="0">
+                <a:latin typeface="Times New Roman" panose="02020603050405020304" pitchFamily="18" charset="0"/>
+                <a:cs typeface="Times New Roman" panose="02020603050405020304" pitchFamily="18" charset="0"/>
+              </a:rPr>
+              <a:t> – основанный на парадоксе дня рождений. Является основным экспоненциальным алгоритмом факторизации.</a:t>
+            </a:r>
+          </a:p>
+        </p:txBody>
+      </p:sp>
+      <p:pic>
+        <p:nvPicPr>
+          <p:cNvPr id="1026" name="Picture 2">
+            <a:extLst>
+              <a:ext uri="{FF2B5EF4-FFF2-40B4-BE49-F238E27FC236}">
+                <a16:creationId xmlns:a16="http://schemas.microsoft.com/office/drawing/2014/main" id="{2093C474-74B7-4980-8436-D33916276EFA}"/>
+              </a:ext>
+            </a:extLst>
+          </p:cNvPr>
+          <p:cNvPicPr>
+            <a:picLocks noChangeAspect="1" noChangeArrowheads="1"/>
+          </p:cNvPicPr>
+          <p:nvPr/>
+        </p:nvPicPr>
+        <p:blipFill>
+          <a:blip r:embed="rId2">
+            <a:extLst>
+              <a:ext uri="{28A0092B-C50C-407E-A947-70E740481C1C}">
+                <a14:useLocalDpi xmlns:a14="http://schemas.microsoft.com/office/drawing/2010/main" val="0"/>
+              </a:ext>
+            </a:extLst>
+          </a:blip>
+          <a:srcRect/>
+          <a:stretch>
+            <a:fillRect/>
+          </a:stretch>
+        </p:blipFill>
+        <p:spPr bwMode="auto">
+          <a:xfrm>
+            <a:off x="9028541" y="2109787"/>
+            <a:ext cx="2857500" cy="2638425"/>
           </a:xfrm>
           <a:prstGeom prst="rect">
             <a:avLst/>
           </a:prstGeom>
           <a:noFill/>
+          <a:extLst>
+            <a:ext uri="{909E8E84-426E-40DD-AFC4-6F175D3DCCD1}">
+              <a14:hiddenFill xmlns:a14="http://schemas.microsoft.com/office/drawing/2010/main">
+                <a:solidFill>
+                  <a:srgbClr val="FFFFFF"/>
+                </a:solidFill>
+              </a14:hiddenFill>
+            </a:ext>
+          </a:extLst>
         </p:spPr>
-        <p:txBody>
-          <a:bodyPr wrap="none" rtlCol="0">
-            <a:spAutoFit/>
-          </a:bodyPr>
-          <a:lstStyle/>
-          <a:p>
-            <a:r>
-              <a:rPr lang="ru-RU" dirty="0"/>
-              <a:t>Задачи и проб-мы мелкого уровня. –</a:t>
-            </a:r>
-            <a:r>
-              <a:rPr lang="en-US" dirty="0"/>
-              <a:t>&gt;</a:t>
-            </a:r>
-            <a:r>
-              <a:rPr lang="ru-RU" dirty="0"/>
-              <a:t> анализ терминов и определение дан-ой области и выбора </a:t>
-            </a:r>
-          </a:p>
-          <a:p>
-            <a:r>
-              <a:rPr lang="ru-RU" dirty="0"/>
-              <a:t>Основ мат аппарат </a:t>
-            </a:r>
-          </a:p>
-          <a:p>
-            <a:r>
-              <a:rPr lang="ru-RU" dirty="0"/>
-              <a:t>В </a:t>
-            </a:r>
-            <a:r>
-              <a:rPr lang="ru-RU" dirty="0" err="1"/>
-              <a:t>презе</a:t>
-            </a:r>
-            <a:r>
-              <a:rPr lang="ru-RU" dirty="0"/>
-              <a:t> не заниматься лик-</a:t>
-            </a:r>
-            <a:r>
-              <a:rPr lang="ru-RU" dirty="0" err="1"/>
-              <a:t>безом</a:t>
-            </a:r>
-            <a:r>
-              <a:rPr lang="ru-RU" dirty="0"/>
-              <a:t> </a:t>
-            </a:r>
-          </a:p>
-        </p:txBody>
-      </p:sp>
-      <p:sp>
-        <p:nvSpPr>
-          <p:cNvPr id="6" name="TextBox 5">
-            <a:extLst>
-              <a:ext uri="{FF2B5EF4-FFF2-40B4-BE49-F238E27FC236}">
-                <a16:creationId xmlns:a16="http://schemas.microsoft.com/office/drawing/2014/main" id="{6D9361BD-25E2-3946-B482-A65411F2A8A5}"/>
-              </a:ext>
-            </a:extLst>
-          </p:cNvPr>
-          <p:cNvSpPr txBox="1"/>
-          <p:nvPr/>
-        </p:nvSpPr>
-        <p:spPr>
-          <a:xfrm>
-            <a:off x="7006441" y="3443844"/>
-            <a:ext cx="5451172" cy="1200329"/>
-          </a:xfrm>
-          <a:prstGeom prst="rect">
-            <a:avLst/>
-          </a:prstGeom>
-          <a:noFill/>
-        </p:spPr>
-        <p:txBody>
-          <a:bodyPr wrap="none" rtlCol="0">
-            <a:spAutoFit/>
-          </a:bodyPr>
-          <a:lstStyle/>
-          <a:p>
-            <a:r>
-              <a:rPr lang="ru-RU" dirty="0"/>
-              <a:t>Сравнить пар-мы </a:t>
-            </a:r>
-            <a:r>
-              <a:rPr lang="ru-RU" dirty="0" err="1"/>
-              <a:t>сущ</a:t>
-            </a:r>
-            <a:r>
-              <a:rPr lang="ru-RU" dirty="0"/>
-              <a:t> алгоритмов</a:t>
-            </a:r>
-          </a:p>
-          <a:p>
-            <a:r>
-              <a:rPr lang="ru-RU" dirty="0"/>
-              <a:t>Показатели </a:t>
-            </a:r>
-            <a:r>
-              <a:rPr lang="ru-RU" dirty="0" err="1"/>
-              <a:t>эфф-ти</a:t>
-            </a:r>
-            <a:r>
-              <a:rPr lang="ru-RU" dirty="0"/>
-              <a:t> </a:t>
-            </a:r>
-            <a:r>
-              <a:rPr lang="ru-RU" dirty="0" err="1"/>
-              <a:t>алгоритов</a:t>
-            </a:r>
-            <a:r>
-              <a:rPr lang="ru-RU" dirty="0"/>
-              <a:t> на основе реализации </a:t>
-            </a:r>
-          </a:p>
-          <a:p>
-            <a:r>
-              <a:rPr lang="ru-RU" dirty="0"/>
-              <a:t>Выбор наилучших параметров (</a:t>
-            </a:r>
-            <a:r>
-              <a:rPr lang="ru-RU" dirty="0" err="1"/>
-              <a:t>бенчмарк</a:t>
-            </a:r>
-            <a:r>
-              <a:rPr lang="ru-RU" dirty="0"/>
-              <a:t> и скорость)</a:t>
-            </a:r>
-          </a:p>
-          <a:p>
-            <a:r>
-              <a:rPr lang="ru-RU" dirty="0"/>
-              <a:t>Выбрать критерии для сравнения</a:t>
-            </a:r>
-          </a:p>
-        </p:txBody>
-      </p:sp>
+      </p:pic>
     </p:spTree>
     <p:extLst>
       <p:ext uri="{BB962C8B-B14F-4D97-AF65-F5344CB8AC3E}">
-        <p14:creationId xmlns:p14="http://schemas.microsoft.com/office/powerpoint/2010/main" val="2929959291"/>
+        <p14:creationId xmlns:p14="http://schemas.microsoft.com/office/powerpoint/2010/main" val="3484133014"/>
       </p:ext>
     </p:extLst>
   </p:cSld>
@@ -4049,7 +3925,7 @@
           <p:cNvPr id="2" name="Заголовок 1">
             <a:extLst>
               <a:ext uri="{FF2B5EF4-FFF2-40B4-BE49-F238E27FC236}">
-                <a16:creationId xmlns:a16="http://schemas.microsoft.com/office/drawing/2014/main" id="{D8A599BD-F623-5D43-8D79-DA17C739DCC5}"/>
+                <a16:creationId xmlns:a16="http://schemas.microsoft.com/office/drawing/2014/main" id="{1234E301-6713-4DD5-927D-DADD2B424306}"/>
               </a:ext>
             </a:extLst>
           </p:cNvPr>
@@ -4062,357 +3938,22 @@
         </p:nvSpPr>
         <p:spPr>
           <a:xfrm>
-            <a:off x="434439" y="5388388"/>
-            <a:ext cx="10515600" cy="1325563"/>
+            <a:off x="838200" y="365126"/>
+            <a:ext cx="10515600" cy="888580"/>
           </a:xfrm>
         </p:spPr>
         <p:txBody>
-          <a:bodyPr/>
-          <a:lstStyle/>
-          <a:p>
-            <a:r>
-              <a:rPr lang="ru-RU" dirty="0"/>
-              <a:t>Основные пункты дипломной работы.</a:t>
-            </a:r>
-          </a:p>
-        </p:txBody>
-      </p:sp>
-      <p:sp>
-        <p:nvSpPr>
-          <p:cNvPr id="3" name="Объект 2">
-            <a:extLst>
-              <a:ext uri="{FF2B5EF4-FFF2-40B4-BE49-F238E27FC236}">
-                <a16:creationId xmlns:a16="http://schemas.microsoft.com/office/drawing/2014/main" id="{8D352FAA-88A9-6C41-A41C-258B8E97E3D2}"/>
-              </a:ext>
-            </a:extLst>
-          </p:cNvPr>
-          <p:cNvSpPr>
-            <a:spLocks noGrp="1"/>
-          </p:cNvSpPr>
-          <p:nvPr>
-            <p:ph idx="1"/>
-          </p:nvPr>
-        </p:nvSpPr>
-        <p:spPr>
-          <a:xfrm>
-            <a:off x="838200" y="2599425"/>
-            <a:ext cx="10515600" cy="3577537"/>
-          </a:xfrm>
-        </p:spPr>
-        <p:txBody>
           <a:bodyPr>
-            <a:normAutofit lnSpcReduction="10000"/>
+            <a:normAutofit/>
           </a:bodyPr>
           <a:lstStyle/>
           <a:p>
             <a:r>
-              <a:rPr lang="ru-RU" dirty="0"/>
-              <a:t>Основные</a:t>
-            </a:r>
-            <a:r>
-              <a:rPr lang="ru-RU" dirty="0">
+              <a:rPr lang="ru-RU" sz="2800" dirty="0">
                 <a:latin typeface="Times New Roman" panose="02020603050405020304" pitchFamily="18" charset="0"/>
                 <a:cs typeface="Times New Roman" panose="02020603050405020304" pitchFamily="18" charset="0"/>
               </a:rPr>
-              <a:t> э</a:t>
-            </a:r>
-            <a:r>
-              <a:rPr lang="ru-RU" dirty="0"/>
-              <a:t>кспоненциальные алгоритмы</a:t>
-            </a:r>
-          </a:p>
-          <a:p>
-            <a:pPr marL="971550" lvl="1" indent="-514350">
-              <a:buFont typeface="+mj-lt"/>
-              <a:buAutoNum type="arabicPeriod"/>
-            </a:pPr>
-            <a:r>
-              <a:rPr lang="en-US" dirty="0"/>
-              <a:t>P – 1 </a:t>
-            </a:r>
-            <a:r>
-              <a:rPr lang="ru-RU" dirty="0"/>
-              <a:t>метод </a:t>
-            </a:r>
-            <a:r>
-              <a:rPr lang="ru-RU" dirty="0" err="1"/>
-              <a:t>Полларда</a:t>
-            </a:r>
-            <a:endParaRPr lang="ru-RU" dirty="0"/>
-          </a:p>
-          <a:p>
-            <a:pPr marL="971550" lvl="1" indent="-514350">
-              <a:buFont typeface="+mj-lt"/>
-              <a:buAutoNum type="arabicPeriod"/>
-            </a:pPr>
-            <a:r>
-              <a:rPr lang="en-US" dirty="0"/>
-              <a:t>P + 1 </a:t>
-            </a:r>
-            <a:r>
-              <a:rPr lang="ru-RU" dirty="0"/>
-              <a:t>метод Вильямса</a:t>
-            </a:r>
-          </a:p>
-          <a:p>
-            <a:r>
-              <a:rPr lang="ru-RU" dirty="0"/>
-              <a:t>Метод квадратичного решета</a:t>
-            </a:r>
-          </a:p>
-          <a:p>
-            <a:pPr marL="971550" lvl="1" indent="-514350">
-              <a:buFont typeface="+mj-lt"/>
-              <a:buAutoNum type="arabicPeriod"/>
-            </a:pPr>
-            <a:r>
-              <a:rPr lang="ru-RU" dirty="0"/>
-              <a:t>Отбор факторной базы (Быстрый поиск простых чисел) (+ код)</a:t>
-            </a:r>
-          </a:p>
-          <a:p>
-            <a:pPr marL="971550" lvl="1" indent="-514350">
-              <a:buFont typeface="+mj-lt"/>
-              <a:buAutoNum type="arabicPeriod"/>
-            </a:pPr>
-            <a:r>
-              <a:rPr lang="ru-RU" dirty="0"/>
-              <a:t>Применение Лежандра и Тоннели – </a:t>
-            </a:r>
-            <a:r>
-              <a:rPr lang="ru-RU" dirty="0" err="1"/>
-              <a:t>Шенкса</a:t>
-            </a:r>
-            <a:r>
-              <a:rPr lang="ru-RU" dirty="0"/>
-              <a:t> (+ код)</a:t>
-            </a:r>
-          </a:p>
-          <a:p>
-            <a:pPr marL="971550" lvl="1" indent="-514350">
-              <a:buFont typeface="+mj-lt"/>
-              <a:buAutoNum type="arabicPeriod"/>
-            </a:pPr>
-            <a:r>
-              <a:rPr lang="ru-RU" dirty="0"/>
-              <a:t>Генерирующий полином (+ код)</a:t>
-            </a:r>
-          </a:p>
-          <a:p>
-            <a:pPr marL="971550" lvl="1" indent="-514350">
-              <a:buFont typeface="+mj-lt"/>
-              <a:buAutoNum type="arabicPeriod"/>
-            </a:pPr>
-            <a:r>
-              <a:rPr lang="ru-RU" dirty="0"/>
-              <a:t>Этап просеивания</a:t>
-            </a:r>
-          </a:p>
-          <a:p>
-            <a:pPr marL="1428750" lvl="2" indent="-514350">
-              <a:buFont typeface="+mj-lt"/>
-              <a:buAutoNum type="arabicPeriod"/>
-            </a:pPr>
-            <a:r>
-              <a:rPr lang="ru-RU" dirty="0"/>
-              <a:t>Библиотека </a:t>
-            </a:r>
-            <a:r>
-              <a:rPr lang="en" dirty="0"/>
-              <a:t>multiprocessing</a:t>
-            </a:r>
-            <a:r>
-              <a:rPr lang="ru-RU" dirty="0"/>
-              <a:t> </a:t>
-            </a:r>
-            <a:r>
-              <a:rPr lang="en-US" dirty="0" err="1"/>
-              <a:t>py</a:t>
-            </a:r>
-            <a:endParaRPr lang="ru-RU" dirty="0"/>
-          </a:p>
-        </p:txBody>
-      </p:sp>
-      <p:sp>
-        <p:nvSpPr>
-          <p:cNvPr id="4" name="TextBox 3">
-            <a:extLst>
-              <a:ext uri="{FF2B5EF4-FFF2-40B4-BE49-F238E27FC236}">
-                <a16:creationId xmlns:a16="http://schemas.microsoft.com/office/drawing/2014/main" id="{0E6A6442-884A-3349-9418-ECF1043F6095}"/>
-              </a:ext>
-            </a:extLst>
-          </p:cNvPr>
-          <p:cNvSpPr txBox="1"/>
-          <p:nvPr/>
-        </p:nvSpPr>
-        <p:spPr>
-          <a:xfrm>
-            <a:off x="5062366" y="3070577"/>
-            <a:ext cx="8162812" cy="923330"/>
-          </a:xfrm>
-          <a:prstGeom prst="rect">
-            <a:avLst/>
-          </a:prstGeom>
-          <a:noFill/>
-        </p:spPr>
-        <p:txBody>
-          <a:bodyPr wrap="none" rtlCol="0">
-            <a:spAutoFit/>
-          </a:bodyPr>
-          <a:lstStyle/>
-          <a:p>
-            <a:r>
-              <a:rPr lang="ru-RU" dirty="0"/>
-              <a:t>Класс </a:t>
-            </a:r>
-            <a:r>
-              <a:rPr lang="ru-RU" dirty="0" err="1"/>
-              <a:t>алго</a:t>
-            </a:r>
-            <a:r>
-              <a:rPr lang="ru-RU" dirty="0"/>
-              <a:t>-м и усов-</a:t>
-            </a:r>
-            <a:r>
-              <a:rPr lang="ru-RU" dirty="0" err="1"/>
-              <a:t>ый</a:t>
-            </a:r>
-            <a:r>
-              <a:rPr lang="ru-RU" dirty="0"/>
-              <a:t> </a:t>
-            </a:r>
-          </a:p>
-          <a:p>
-            <a:r>
-              <a:rPr lang="ru-RU" dirty="0"/>
-              <a:t>Друг класс </a:t>
-            </a:r>
-            <a:r>
-              <a:rPr lang="ru-RU" dirty="0" err="1"/>
-              <a:t>алгом-ов</a:t>
-            </a:r>
-            <a:r>
-              <a:rPr lang="ru-RU" dirty="0"/>
-              <a:t> и показать пути ускорения (</a:t>
-            </a:r>
-            <a:r>
-              <a:rPr lang="ru-RU" dirty="0" err="1"/>
-              <a:t>пречислить</a:t>
-            </a:r>
-            <a:r>
-              <a:rPr lang="ru-RU" dirty="0"/>
-              <a:t> проблемы </a:t>
-            </a:r>
-            <a:r>
-              <a:rPr lang="ru-RU" dirty="0" err="1"/>
-              <a:t>алго-ов</a:t>
-            </a:r>
-            <a:r>
-              <a:rPr lang="ru-RU" dirty="0"/>
-              <a:t>)</a:t>
-            </a:r>
-          </a:p>
-          <a:p>
-            <a:endParaRPr lang="ru-RU" dirty="0"/>
-          </a:p>
-        </p:txBody>
-      </p:sp>
-      <p:sp>
-        <p:nvSpPr>
-          <p:cNvPr id="5" name="TextBox 4">
-            <a:extLst>
-              <a:ext uri="{FF2B5EF4-FFF2-40B4-BE49-F238E27FC236}">
-                <a16:creationId xmlns:a16="http://schemas.microsoft.com/office/drawing/2014/main" id="{04E7D1F3-11D0-9C47-9987-3FFCA94BC4D8}"/>
-              </a:ext>
-            </a:extLst>
-          </p:cNvPr>
-          <p:cNvSpPr txBox="1"/>
-          <p:nvPr/>
-        </p:nvSpPr>
-        <p:spPr>
-          <a:xfrm>
-            <a:off x="1425366" y="142570"/>
-            <a:ext cx="10283649" cy="2031325"/>
-          </a:xfrm>
-          <a:prstGeom prst="rect">
-            <a:avLst/>
-          </a:prstGeom>
-          <a:noFill/>
-        </p:spPr>
-        <p:txBody>
-          <a:bodyPr wrap="none" rtlCol="0">
-            <a:spAutoFit/>
-          </a:bodyPr>
-          <a:lstStyle/>
-          <a:p>
-            <a:r>
-              <a:rPr lang="ru-RU" dirty="0"/>
-              <a:t>Более кон-</a:t>
-            </a:r>
-            <a:r>
-              <a:rPr lang="ru-RU" dirty="0" err="1"/>
-              <a:t>тно</a:t>
-            </a:r>
-            <a:r>
-              <a:rPr lang="ru-RU" dirty="0"/>
-              <a:t> про мой алгоритм гипотеза – реализация – оценить метрики </a:t>
-            </a:r>
-            <a:r>
-              <a:rPr lang="ru-RU" dirty="0" err="1"/>
-              <a:t>алго-ма</a:t>
-            </a:r>
-            <a:endParaRPr lang="ru-RU" dirty="0"/>
-          </a:p>
-          <a:p>
-            <a:r>
-              <a:rPr lang="ru-RU" dirty="0"/>
-              <a:t>Пройтись по гипотезам и как их ускорить + реализация (алгоритм схемы и картинки)</a:t>
-            </a:r>
-          </a:p>
-          <a:p>
-            <a:r>
-              <a:rPr lang="ru-RU" dirty="0"/>
-              <a:t>Потом показать как ускорилось и за счет чего</a:t>
-            </a:r>
-          </a:p>
-          <a:p>
-            <a:r>
-              <a:rPr lang="ru-RU" dirty="0"/>
-              <a:t>Выбрать оптимальное число и разложить показать рез-ты (</a:t>
-            </a:r>
-            <a:r>
-              <a:rPr lang="ru-RU" dirty="0" err="1"/>
-              <a:t>статистич</a:t>
-            </a:r>
-            <a:r>
-              <a:rPr lang="ru-RU" dirty="0"/>
-              <a:t> критерии) при оценке</a:t>
-            </a:r>
-          </a:p>
-          <a:p>
-            <a:r>
-              <a:rPr lang="ru-RU" dirty="0"/>
-              <a:t>Посмотреть как оценивать правильно работу и скорость алгоритмы (графики) бенч марки (скорость и </a:t>
-            </a:r>
-          </a:p>
-          <a:p>
-            <a:r>
-              <a:rPr lang="ru-RU" dirty="0"/>
-              <a:t>прочие пар-ты </a:t>
-            </a:r>
-          </a:p>
-          <a:p>
-            <a:r>
-              <a:rPr lang="ru-RU" dirty="0"/>
-              <a:t>Указать еще возможность </a:t>
-            </a:r>
-            <a:r>
-              <a:rPr lang="ru-RU" dirty="0" err="1"/>
-              <a:t>расспаралельности</a:t>
-            </a:r>
-            <a:r>
-              <a:rPr lang="ru-RU" dirty="0"/>
-              <a:t> </a:t>
+              <a:t>Основные экспоненциальные алгоритмы</a:t>
             </a:r>
           </a:p>
         </p:txBody>
@@ -4420,7 +3961,7 @@
     </p:spTree>
     <p:extLst>
       <p:ext uri="{BB962C8B-B14F-4D97-AF65-F5344CB8AC3E}">
-        <p14:creationId xmlns:p14="http://schemas.microsoft.com/office/powerpoint/2010/main" val="944876876"/>
+        <p14:creationId xmlns:p14="http://schemas.microsoft.com/office/powerpoint/2010/main" val="2068055586"/>
       </p:ext>
     </p:extLst>
   </p:cSld>
@@ -4472,6 +4013,697 @@
           <a:p>
             <a:r>
               <a:rPr lang="ru-RU" dirty="0"/>
+              <a:t>Модульная арифметика</a:t>
+            </a:r>
+          </a:p>
+          <a:p>
+            <a:pPr marL="971550" lvl="1" indent="-514350">
+              <a:buFont typeface="+mj-lt"/>
+              <a:buAutoNum type="arabicPeriod"/>
+            </a:pPr>
+            <a:r>
+              <a:rPr lang="ru-RU" dirty="0"/>
+              <a:t>Простое описание методов и теорем которые необходимы будут дальше</a:t>
+            </a:r>
+          </a:p>
+          <a:p>
+            <a:r>
+              <a:rPr lang="ru-RU" dirty="0"/>
+              <a:t>Нахождение простых чисел</a:t>
+            </a:r>
+          </a:p>
+          <a:p>
+            <a:pPr marL="971550" lvl="1" indent="-514350">
+              <a:buFont typeface="+mj-lt"/>
+              <a:buAutoNum type="arabicPeriod"/>
+            </a:pPr>
+            <a:r>
+              <a:rPr lang="ru-RU" dirty="0"/>
+              <a:t>Решето Эратосфена</a:t>
+            </a:r>
+          </a:p>
+          <a:p>
+            <a:pPr marL="971550" lvl="1" indent="-514350">
+              <a:buFont typeface="+mj-lt"/>
+              <a:buAutoNum type="arabicPeriod"/>
+            </a:pPr>
+            <a:r>
+              <a:rPr lang="ru-RU" dirty="0"/>
+              <a:t>Решето </a:t>
+            </a:r>
+            <a:r>
+              <a:rPr lang="ru-RU" dirty="0" err="1"/>
+              <a:t>Аткина</a:t>
+            </a:r>
+            <a:r>
+              <a:rPr lang="ru-RU" dirty="0"/>
+              <a:t> (ускорение)</a:t>
+            </a:r>
+          </a:p>
+          <a:p>
+            <a:pPr marL="971550" lvl="1" indent="-514350">
+              <a:buFont typeface="+mj-lt"/>
+              <a:buAutoNum type="arabicPeriod"/>
+            </a:pPr>
+            <a:r>
+              <a:rPr lang="ru-RU" dirty="0"/>
+              <a:t>Символ Лежандра</a:t>
+            </a:r>
+          </a:p>
+          <a:p>
+            <a:pPr marL="971550" lvl="1" indent="-514350">
+              <a:buFont typeface="+mj-lt"/>
+              <a:buAutoNum type="arabicPeriod"/>
+            </a:pPr>
+            <a:r>
+              <a:rPr lang="ru-RU" dirty="0"/>
+              <a:t>Использование теоремы Тоннели-</a:t>
+            </a:r>
+            <a:r>
+              <a:rPr lang="ru-RU" dirty="0" err="1"/>
+              <a:t>Шенкса</a:t>
+            </a:r>
+            <a:r>
+              <a:rPr lang="ru-RU" dirty="0"/>
+              <a:t> для ускорения</a:t>
+            </a:r>
+          </a:p>
+        </p:txBody>
+      </p:sp>
+      <p:sp>
+        <p:nvSpPr>
+          <p:cNvPr id="5" name="TextBox 4">
+            <a:extLst>
+              <a:ext uri="{FF2B5EF4-FFF2-40B4-BE49-F238E27FC236}">
+                <a16:creationId xmlns:a16="http://schemas.microsoft.com/office/drawing/2014/main" id="{B10CD0C5-7537-504A-A951-571119FE8CC1}"/>
+              </a:ext>
+            </a:extLst>
+          </p:cNvPr>
+          <p:cNvSpPr txBox="1"/>
+          <p:nvPr/>
+        </p:nvSpPr>
+        <p:spPr>
+          <a:xfrm>
+            <a:off x="973776" y="994628"/>
+            <a:ext cx="9808006" cy="923330"/>
+          </a:xfrm>
+          <a:prstGeom prst="rect">
+            <a:avLst/>
+          </a:prstGeom>
+          <a:noFill/>
+        </p:spPr>
+        <p:txBody>
+          <a:bodyPr wrap="none" rtlCol="0">
+            <a:spAutoFit/>
+          </a:bodyPr>
+          <a:lstStyle/>
+          <a:p>
+            <a:r>
+              <a:rPr lang="ru-RU" dirty="0"/>
+              <a:t>Задачи и проб-мы мелкого уровня. –</a:t>
+            </a:r>
+            <a:r>
+              <a:rPr lang="en-US" dirty="0"/>
+              <a:t>&gt;</a:t>
+            </a:r>
+            <a:r>
+              <a:rPr lang="ru-RU" dirty="0"/>
+              <a:t> анализ терминов и определение дан-ой области и выбора </a:t>
+            </a:r>
+          </a:p>
+          <a:p>
+            <a:r>
+              <a:rPr lang="ru-RU" dirty="0"/>
+              <a:t>Основ мат аппарат </a:t>
+            </a:r>
+          </a:p>
+          <a:p>
+            <a:r>
+              <a:rPr lang="ru-RU" dirty="0"/>
+              <a:t>В </a:t>
+            </a:r>
+            <a:r>
+              <a:rPr lang="ru-RU" dirty="0" err="1"/>
+              <a:t>презе</a:t>
+            </a:r>
+            <a:r>
+              <a:rPr lang="ru-RU" dirty="0"/>
+              <a:t> не заниматься лик-</a:t>
+            </a:r>
+            <a:r>
+              <a:rPr lang="ru-RU" dirty="0" err="1"/>
+              <a:t>безом</a:t>
+            </a:r>
+            <a:r>
+              <a:rPr lang="ru-RU" dirty="0"/>
+              <a:t> </a:t>
+            </a:r>
+          </a:p>
+        </p:txBody>
+      </p:sp>
+      <p:sp>
+        <p:nvSpPr>
+          <p:cNvPr id="6" name="TextBox 5">
+            <a:extLst>
+              <a:ext uri="{FF2B5EF4-FFF2-40B4-BE49-F238E27FC236}">
+                <a16:creationId xmlns:a16="http://schemas.microsoft.com/office/drawing/2014/main" id="{6D9361BD-25E2-3946-B482-A65411F2A8A5}"/>
+              </a:ext>
+            </a:extLst>
+          </p:cNvPr>
+          <p:cNvSpPr txBox="1"/>
+          <p:nvPr/>
+        </p:nvSpPr>
+        <p:spPr>
+          <a:xfrm>
+            <a:off x="7006441" y="3443844"/>
+            <a:ext cx="5451172" cy="1200329"/>
+          </a:xfrm>
+          <a:prstGeom prst="rect">
+            <a:avLst/>
+          </a:prstGeom>
+          <a:noFill/>
+        </p:spPr>
+        <p:txBody>
+          <a:bodyPr wrap="none" rtlCol="0">
+            <a:spAutoFit/>
+          </a:bodyPr>
+          <a:lstStyle/>
+          <a:p>
+            <a:r>
+              <a:rPr lang="ru-RU" dirty="0"/>
+              <a:t>Сравнить пар-мы </a:t>
+            </a:r>
+            <a:r>
+              <a:rPr lang="ru-RU" dirty="0" err="1"/>
+              <a:t>сущ</a:t>
+            </a:r>
+            <a:r>
+              <a:rPr lang="ru-RU" dirty="0"/>
+              <a:t> алгоритмов</a:t>
+            </a:r>
+          </a:p>
+          <a:p>
+            <a:r>
+              <a:rPr lang="ru-RU" dirty="0"/>
+              <a:t>Показатели </a:t>
+            </a:r>
+            <a:r>
+              <a:rPr lang="ru-RU" dirty="0" err="1"/>
+              <a:t>эфф-ти</a:t>
+            </a:r>
+            <a:r>
+              <a:rPr lang="ru-RU" dirty="0"/>
+              <a:t> </a:t>
+            </a:r>
+            <a:r>
+              <a:rPr lang="ru-RU" dirty="0" err="1"/>
+              <a:t>алгоритов</a:t>
+            </a:r>
+            <a:r>
+              <a:rPr lang="ru-RU" dirty="0"/>
+              <a:t> на основе реализации </a:t>
+            </a:r>
+          </a:p>
+          <a:p>
+            <a:r>
+              <a:rPr lang="ru-RU" dirty="0"/>
+              <a:t>Выбор наилучших параметров (</a:t>
+            </a:r>
+            <a:r>
+              <a:rPr lang="ru-RU" dirty="0" err="1"/>
+              <a:t>бенчмарк</a:t>
+            </a:r>
+            <a:r>
+              <a:rPr lang="ru-RU" dirty="0"/>
+              <a:t> и скорость)</a:t>
+            </a:r>
+          </a:p>
+          <a:p>
+            <a:r>
+              <a:rPr lang="ru-RU" dirty="0"/>
+              <a:t>Выбрать критерии для сравнения</a:t>
+            </a:r>
+          </a:p>
+        </p:txBody>
+      </p:sp>
+    </p:spTree>
+    <p:extLst>
+      <p:ext uri="{BB962C8B-B14F-4D97-AF65-F5344CB8AC3E}">
+        <p14:creationId xmlns:p14="http://schemas.microsoft.com/office/powerpoint/2010/main" val="2929959291"/>
+      </p:ext>
+    </p:extLst>
+  </p:cSld>
+  <p:clrMapOvr>
+    <a:masterClrMapping/>
+  </p:clrMapOvr>
+</p:sld>
+</file>
+
+<file path=ppt/slides/slide7.xml><?xml version="1.0" encoding="utf-8"?>
+<p:sld xmlns:a="http://schemas.openxmlformats.org/drawingml/2006/main" xmlns:r="http://schemas.openxmlformats.org/officeDocument/2006/relationships" xmlns:p="http://schemas.openxmlformats.org/presentationml/2006/main">
+  <p:cSld>
+    <p:spTree>
+      <p:nvGrpSpPr>
+        <p:cNvPr id="1" name=""/>
+        <p:cNvGrpSpPr/>
+        <p:nvPr/>
+      </p:nvGrpSpPr>
+      <p:grpSpPr>
+        <a:xfrm>
+          <a:off x="0" y="0"/>
+          <a:ext cx="0" cy="0"/>
+          <a:chOff x="0" y="0"/>
+          <a:chExt cx="0" cy="0"/>
+        </a:xfrm>
+      </p:grpSpPr>
+      <p:sp>
+        <p:nvSpPr>
+          <p:cNvPr id="2" name="Заголовок 1">
+            <a:extLst>
+              <a:ext uri="{FF2B5EF4-FFF2-40B4-BE49-F238E27FC236}">
+                <a16:creationId xmlns:a16="http://schemas.microsoft.com/office/drawing/2014/main" id="{D8A599BD-F623-5D43-8D79-DA17C739DCC5}"/>
+              </a:ext>
+            </a:extLst>
+          </p:cNvPr>
+          <p:cNvSpPr>
+            <a:spLocks noGrp="1"/>
+          </p:cNvSpPr>
+          <p:nvPr>
+            <p:ph type="title"/>
+          </p:nvPr>
+        </p:nvSpPr>
+        <p:spPr>
+          <a:xfrm>
+            <a:off x="434439" y="5388388"/>
+            <a:ext cx="10515600" cy="1325563"/>
+          </a:xfrm>
+        </p:spPr>
+        <p:txBody>
+          <a:bodyPr/>
+          <a:lstStyle/>
+          <a:p>
+            <a:r>
+              <a:rPr lang="ru-RU" dirty="0"/>
+              <a:t>Основные пункты дипломной работы.</a:t>
+            </a:r>
+          </a:p>
+        </p:txBody>
+      </p:sp>
+      <p:sp>
+        <p:nvSpPr>
+          <p:cNvPr id="3" name="Объект 2">
+            <a:extLst>
+              <a:ext uri="{FF2B5EF4-FFF2-40B4-BE49-F238E27FC236}">
+                <a16:creationId xmlns:a16="http://schemas.microsoft.com/office/drawing/2014/main" id="{8D352FAA-88A9-6C41-A41C-258B8E97E3D2}"/>
+              </a:ext>
+            </a:extLst>
+          </p:cNvPr>
+          <p:cNvSpPr>
+            <a:spLocks noGrp="1"/>
+          </p:cNvSpPr>
+          <p:nvPr>
+            <p:ph idx="1"/>
+          </p:nvPr>
+        </p:nvSpPr>
+        <p:spPr>
+          <a:xfrm>
+            <a:off x="838200" y="2599425"/>
+            <a:ext cx="10515600" cy="3577537"/>
+          </a:xfrm>
+        </p:spPr>
+        <p:txBody>
+          <a:bodyPr>
+            <a:normAutofit lnSpcReduction="10000"/>
+          </a:bodyPr>
+          <a:lstStyle/>
+          <a:p>
+            <a:r>
+              <a:rPr lang="ru-RU" dirty="0"/>
+              <a:t>Основные</a:t>
+            </a:r>
+            <a:r>
+              <a:rPr lang="ru-RU" dirty="0">
+                <a:latin typeface="Times New Roman" panose="02020603050405020304" pitchFamily="18" charset="0"/>
+                <a:cs typeface="Times New Roman" panose="02020603050405020304" pitchFamily="18" charset="0"/>
+              </a:rPr>
+              <a:t> э</a:t>
+            </a:r>
+            <a:r>
+              <a:rPr lang="ru-RU" dirty="0"/>
+              <a:t>кспоненциальные алгоритмы</a:t>
+            </a:r>
+          </a:p>
+          <a:p>
+            <a:pPr marL="971550" lvl="1" indent="-514350">
+              <a:buFont typeface="+mj-lt"/>
+              <a:buAutoNum type="arabicPeriod"/>
+            </a:pPr>
+            <a:r>
+              <a:rPr lang="en-US" dirty="0"/>
+              <a:t>P – 1 </a:t>
+            </a:r>
+            <a:r>
+              <a:rPr lang="ru-RU" dirty="0"/>
+              <a:t>метод </a:t>
+            </a:r>
+            <a:r>
+              <a:rPr lang="ru-RU" dirty="0" err="1"/>
+              <a:t>Полларда</a:t>
+            </a:r>
+            <a:endParaRPr lang="ru-RU" dirty="0"/>
+          </a:p>
+          <a:p>
+            <a:pPr marL="971550" lvl="1" indent="-514350">
+              <a:buFont typeface="+mj-lt"/>
+              <a:buAutoNum type="arabicPeriod"/>
+            </a:pPr>
+            <a:r>
+              <a:rPr lang="en-US" dirty="0"/>
+              <a:t>P + 1 </a:t>
+            </a:r>
+            <a:r>
+              <a:rPr lang="ru-RU" dirty="0"/>
+              <a:t>метод Вильямса</a:t>
+            </a:r>
+          </a:p>
+          <a:p>
+            <a:r>
+              <a:rPr lang="ru-RU" dirty="0"/>
+              <a:t>Метод квадратичного решета</a:t>
+            </a:r>
+          </a:p>
+          <a:p>
+            <a:pPr marL="971550" lvl="1" indent="-514350">
+              <a:buFont typeface="+mj-lt"/>
+              <a:buAutoNum type="arabicPeriod"/>
+            </a:pPr>
+            <a:r>
+              <a:rPr lang="ru-RU" dirty="0"/>
+              <a:t>Отбор факторной базы (Быстрый поиск простых чисел) (+ код)</a:t>
+            </a:r>
+          </a:p>
+          <a:p>
+            <a:pPr marL="971550" lvl="1" indent="-514350">
+              <a:buFont typeface="+mj-lt"/>
+              <a:buAutoNum type="arabicPeriod"/>
+            </a:pPr>
+            <a:r>
+              <a:rPr lang="ru-RU" dirty="0"/>
+              <a:t>Применение Лежандра и Тоннели – </a:t>
+            </a:r>
+            <a:r>
+              <a:rPr lang="ru-RU" dirty="0" err="1"/>
+              <a:t>Шенкса</a:t>
+            </a:r>
+            <a:r>
+              <a:rPr lang="ru-RU" dirty="0"/>
+              <a:t> (+ код)</a:t>
+            </a:r>
+          </a:p>
+          <a:p>
+            <a:pPr marL="971550" lvl="1" indent="-514350">
+              <a:buFont typeface="+mj-lt"/>
+              <a:buAutoNum type="arabicPeriod"/>
+            </a:pPr>
+            <a:r>
+              <a:rPr lang="ru-RU" dirty="0"/>
+              <a:t>Генерирующий полином (+ код)</a:t>
+            </a:r>
+          </a:p>
+          <a:p>
+            <a:pPr marL="971550" lvl="1" indent="-514350">
+              <a:buFont typeface="+mj-lt"/>
+              <a:buAutoNum type="arabicPeriod"/>
+            </a:pPr>
+            <a:r>
+              <a:rPr lang="ru-RU" dirty="0"/>
+              <a:t>Этап просеивания</a:t>
+            </a:r>
+          </a:p>
+          <a:p>
+            <a:pPr marL="1428750" lvl="2" indent="-514350">
+              <a:buFont typeface="+mj-lt"/>
+              <a:buAutoNum type="arabicPeriod"/>
+            </a:pPr>
+            <a:r>
+              <a:rPr lang="ru-RU" dirty="0"/>
+              <a:t>Библиотека </a:t>
+            </a:r>
+            <a:r>
+              <a:rPr lang="en" dirty="0"/>
+              <a:t>multiprocessing</a:t>
+            </a:r>
+            <a:r>
+              <a:rPr lang="ru-RU" dirty="0"/>
+              <a:t> </a:t>
+            </a:r>
+            <a:r>
+              <a:rPr lang="en-US" dirty="0" err="1"/>
+              <a:t>py</a:t>
+            </a:r>
+            <a:endParaRPr lang="ru-RU" dirty="0"/>
+          </a:p>
+        </p:txBody>
+      </p:sp>
+      <p:sp>
+        <p:nvSpPr>
+          <p:cNvPr id="4" name="TextBox 3">
+            <a:extLst>
+              <a:ext uri="{FF2B5EF4-FFF2-40B4-BE49-F238E27FC236}">
+                <a16:creationId xmlns:a16="http://schemas.microsoft.com/office/drawing/2014/main" id="{0E6A6442-884A-3349-9418-ECF1043F6095}"/>
+              </a:ext>
+            </a:extLst>
+          </p:cNvPr>
+          <p:cNvSpPr txBox="1"/>
+          <p:nvPr/>
+        </p:nvSpPr>
+        <p:spPr>
+          <a:xfrm>
+            <a:off x="5062366" y="3070577"/>
+            <a:ext cx="8162812" cy="923330"/>
+          </a:xfrm>
+          <a:prstGeom prst="rect">
+            <a:avLst/>
+          </a:prstGeom>
+          <a:noFill/>
+        </p:spPr>
+        <p:txBody>
+          <a:bodyPr wrap="none" rtlCol="0">
+            <a:spAutoFit/>
+          </a:bodyPr>
+          <a:lstStyle/>
+          <a:p>
+            <a:r>
+              <a:rPr lang="ru-RU" dirty="0"/>
+              <a:t>Класс </a:t>
+            </a:r>
+            <a:r>
+              <a:rPr lang="ru-RU" dirty="0" err="1"/>
+              <a:t>алго</a:t>
+            </a:r>
+            <a:r>
+              <a:rPr lang="ru-RU" dirty="0"/>
+              <a:t>-м и усов-</a:t>
+            </a:r>
+            <a:r>
+              <a:rPr lang="ru-RU" dirty="0" err="1"/>
+              <a:t>ый</a:t>
+            </a:r>
+            <a:r>
+              <a:rPr lang="ru-RU" dirty="0"/>
+              <a:t> </a:t>
+            </a:r>
+          </a:p>
+          <a:p>
+            <a:r>
+              <a:rPr lang="ru-RU" dirty="0"/>
+              <a:t>Друг класс </a:t>
+            </a:r>
+            <a:r>
+              <a:rPr lang="ru-RU" dirty="0" err="1"/>
+              <a:t>алгом-ов</a:t>
+            </a:r>
+            <a:r>
+              <a:rPr lang="ru-RU" dirty="0"/>
+              <a:t> и показать пути ускорения (</a:t>
+            </a:r>
+            <a:r>
+              <a:rPr lang="ru-RU" dirty="0" err="1"/>
+              <a:t>пречислить</a:t>
+            </a:r>
+            <a:r>
+              <a:rPr lang="ru-RU" dirty="0"/>
+              <a:t> проблемы </a:t>
+            </a:r>
+            <a:r>
+              <a:rPr lang="ru-RU" dirty="0" err="1"/>
+              <a:t>алго-ов</a:t>
+            </a:r>
+            <a:r>
+              <a:rPr lang="ru-RU" dirty="0"/>
+              <a:t>)</a:t>
+            </a:r>
+          </a:p>
+          <a:p>
+            <a:endParaRPr lang="ru-RU" dirty="0"/>
+          </a:p>
+        </p:txBody>
+      </p:sp>
+      <p:sp>
+        <p:nvSpPr>
+          <p:cNvPr id="5" name="TextBox 4">
+            <a:extLst>
+              <a:ext uri="{FF2B5EF4-FFF2-40B4-BE49-F238E27FC236}">
+                <a16:creationId xmlns:a16="http://schemas.microsoft.com/office/drawing/2014/main" id="{04E7D1F3-11D0-9C47-9987-3FFCA94BC4D8}"/>
+              </a:ext>
+            </a:extLst>
+          </p:cNvPr>
+          <p:cNvSpPr txBox="1"/>
+          <p:nvPr/>
+        </p:nvSpPr>
+        <p:spPr>
+          <a:xfrm>
+            <a:off x="1425366" y="142570"/>
+            <a:ext cx="10283649" cy="2031325"/>
+          </a:xfrm>
+          <a:prstGeom prst="rect">
+            <a:avLst/>
+          </a:prstGeom>
+          <a:noFill/>
+        </p:spPr>
+        <p:txBody>
+          <a:bodyPr wrap="none" rtlCol="0">
+            <a:spAutoFit/>
+          </a:bodyPr>
+          <a:lstStyle/>
+          <a:p>
+            <a:r>
+              <a:rPr lang="ru-RU" dirty="0"/>
+              <a:t>Более кон-</a:t>
+            </a:r>
+            <a:r>
+              <a:rPr lang="ru-RU" dirty="0" err="1"/>
+              <a:t>тно</a:t>
+            </a:r>
+            <a:r>
+              <a:rPr lang="ru-RU" dirty="0"/>
+              <a:t> про мой алгоритм гипотеза – реализация – оценить метрики </a:t>
+            </a:r>
+            <a:r>
+              <a:rPr lang="ru-RU" dirty="0" err="1"/>
+              <a:t>алго-ма</a:t>
+            </a:r>
+            <a:endParaRPr lang="ru-RU" dirty="0"/>
+          </a:p>
+          <a:p>
+            <a:r>
+              <a:rPr lang="ru-RU" dirty="0"/>
+              <a:t>Пройтись по гипотезам и как их ускорить + реализация (алгоритм схемы и картинки)</a:t>
+            </a:r>
+          </a:p>
+          <a:p>
+            <a:r>
+              <a:rPr lang="ru-RU" dirty="0"/>
+              <a:t>Потом показать как ускорилось и за счет чего</a:t>
+            </a:r>
+          </a:p>
+          <a:p>
+            <a:r>
+              <a:rPr lang="ru-RU" dirty="0"/>
+              <a:t>Выбрать оптимальное число и разложить показать рез-ты (</a:t>
+            </a:r>
+            <a:r>
+              <a:rPr lang="ru-RU" dirty="0" err="1"/>
+              <a:t>статистич</a:t>
+            </a:r>
+            <a:r>
+              <a:rPr lang="ru-RU" dirty="0"/>
+              <a:t> критерии) при оценке</a:t>
+            </a:r>
+          </a:p>
+          <a:p>
+            <a:r>
+              <a:rPr lang="ru-RU" dirty="0"/>
+              <a:t>Посмотреть как оценивать правильно работу и скорость алгоритмы (графики) бенч марки (скорость и </a:t>
+            </a:r>
+          </a:p>
+          <a:p>
+            <a:r>
+              <a:rPr lang="ru-RU" dirty="0"/>
+              <a:t>прочие пар-ты </a:t>
+            </a:r>
+          </a:p>
+          <a:p>
+            <a:r>
+              <a:rPr lang="ru-RU" dirty="0"/>
+              <a:t>Указать еще возможность </a:t>
+            </a:r>
+            <a:r>
+              <a:rPr lang="ru-RU" dirty="0" err="1"/>
+              <a:t>расспаралельности</a:t>
+            </a:r>
+            <a:r>
+              <a:rPr lang="ru-RU" dirty="0"/>
+              <a:t> </a:t>
+            </a:r>
+          </a:p>
+        </p:txBody>
+      </p:sp>
+    </p:spTree>
+    <p:extLst>
+      <p:ext uri="{BB962C8B-B14F-4D97-AF65-F5344CB8AC3E}">
+        <p14:creationId xmlns:p14="http://schemas.microsoft.com/office/powerpoint/2010/main" val="944876876"/>
+      </p:ext>
+    </p:extLst>
+  </p:cSld>
+  <p:clrMapOvr>
+    <a:masterClrMapping/>
+  </p:clrMapOvr>
+</p:sld>
+</file>
+
+<file path=ppt/slides/slide8.xml><?xml version="1.0" encoding="utf-8"?>
+<p:sld xmlns:a="http://schemas.openxmlformats.org/drawingml/2006/main" xmlns:r="http://schemas.openxmlformats.org/officeDocument/2006/relationships" xmlns:p="http://schemas.openxmlformats.org/presentationml/2006/main">
+  <p:cSld>
+    <p:spTree>
+      <p:nvGrpSpPr>
+        <p:cNvPr id="1" name=""/>
+        <p:cNvGrpSpPr/>
+        <p:nvPr/>
+      </p:nvGrpSpPr>
+      <p:grpSpPr>
+        <a:xfrm>
+          <a:off x="0" y="0"/>
+          <a:ext cx="0" cy="0"/>
+          <a:chOff x="0" y="0"/>
+          <a:chExt cx="0" cy="0"/>
+        </a:xfrm>
+      </p:grpSpPr>
+      <p:sp>
+        <p:nvSpPr>
+          <p:cNvPr id="3" name="Объект 2">
+            <a:extLst>
+              <a:ext uri="{FF2B5EF4-FFF2-40B4-BE49-F238E27FC236}">
+                <a16:creationId xmlns:a16="http://schemas.microsoft.com/office/drawing/2014/main" id="{8D352FAA-88A9-6C41-A41C-258B8E97E3D2}"/>
+              </a:ext>
+            </a:extLst>
+          </p:cNvPr>
+          <p:cNvSpPr>
+            <a:spLocks noGrp="1"/>
+          </p:cNvSpPr>
+          <p:nvPr>
+            <p:ph idx="1"/>
+          </p:nvPr>
+        </p:nvSpPr>
+        <p:spPr/>
+        <p:txBody>
+          <a:bodyPr>
+            <a:normAutofit/>
+          </a:bodyPr>
+          <a:lstStyle/>
+          <a:p>
+            <a:r>
+              <a:rPr lang="ru-RU" dirty="0"/>
               <a:t>Метод квадратичного решета</a:t>
             </a:r>
           </a:p>
@@ -4726,7 +4958,7 @@
 </p:sld>
 </file>
 
-<file path=ppt/slides/slide7.xml><?xml version="1.0" encoding="utf-8"?>
+<file path=ppt/slides/slide9.xml><?xml version="1.0" encoding="utf-8"?>
 <p:sld xmlns:a="http://schemas.openxmlformats.org/drawingml/2006/main" xmlns:r="http://schemas.openxmlformats.org/officeDocument/2006/relationships" xmlns:p="http://schemas.openxmlformats.org/presentationml/2006/main">
   <p:cSld>
     <p:spTree>
